--- a/presentation1_CSAmodeling.pptx
+++ b/presentation1_CSAmodeling.pptx
@@ -5,21 +5,24 @@
     <p:sldMasterId id="2147483648" r:id="rId1"/>
   </p:sldMasterIdLst>
   <p:notesMasterIdLst>
-    <p:notesMasterId r:id="rId14"/>
+    <p:notesMasterId r:id="rId17"/>
   </p:notesMasterIdLst>
   <p:sldIdLst>
     <p:sldId id="256" r:id="rId2"/>
-    <p:sldId id="257" r:id="rId3"/>
-    <p:sldId id="258" r:id="rId4"/>
-    <p:sldId id="259" r:id="rId5"/>
-    <p:sldId id="260" r:id="rId6"/>
-    <p:sldId id="265" r:id="rId7"/>
-    <p:sldId id="261" r:id="rId8"/>
-    <p:sldId id="262" r:id="rId9"/>
-    <p:sldId id="266" r:id="rId10"/>
-    <p:sldId id="267" r:id="rId11"/>
-    <p:sldId id="263" r:id="rId12"/>
-    <p:sldId id="264" r:id="rId13"/>
+    <p:sldId id="269" r:id="rId3"/>
+    <p:sldId id="268" r:id="rId4"/>
+    <p:sldId id="270" r:id="rId5"/>
+    <p:sldId id="275" r:id="rId6"/>
+    <p:sldId id="271" r:id="rId7"/>
+    <p:sldId id="259" r:id="rId8"/>
+    <p:sldId id="260" r:id="rId9"/>
+    <p:sldId id="265" r:id="rId10"/>
+    <p:sldId id="261" r:id="rId11"/>
+    <p:sldId id="262" r:id="rId12"/>
+    <p:sldId id="266" r:id="rId13"/>
+    <p:sldId id="267" r:id="rId14"/>
+    <p:sldId id="273" r:id="rId15"/>
+    <p:sldId id="264" r:id="rId16"/>
   </p:sldIdLst>
   <p:sldSz cx="12192000" cy="6858000"/>
   <p:notesSz cx="6858000" cy="9144000"/>
@@ -208,7 +211,7 @@
           <a:p>
             <a:fld id="{C66B9852-DD5D-47D4-B529-0872AD29A2EA}" type="datetimeFigureOut">
               <a:rPr lang="en-US" smtClean="0"/>
-              <a:t>08-Mar-20</a:t>
+              <a:t>3/9/2020</a:t>
             </a:fld>
             <a:endParaRPr lang="en-US"/>
           </a:p>
@@ -519,6 +522,348 @@
           <a:bodyPr/>
           <a:lstStyle/>
           <a:p>
+            <a:endParaRPr lang="en-US" dirty="0"/>
+          </a:p>
+        </p:txBody>
+      </p:sp>
+      <p:sp>
+        <p:nvSpPr>
+          <p:cNvPr id="4" name="Slide Number Placeholder 3"/>
+          <p:cNvSpPr>
+            <a:spLocks noGrp="1"/>
+          </p:cNvSpPr>
+          <p:nvPr>
+            <p:ph type="sldNum" sz="quarter" idx="5"/>
+          </p:nvPr>
+        </p:nvSpPr>
+        <p:spPr/>
+        <p:txBody>
+          <a:bodyPr/>
+          <a:lstStyle/>
+          <a:p>
+            <a:fld id="{70CAC5E2-7E6F-4950-8CF5-371E8255B795}" type="slidenum">
+              <a:rPr lang="en-US" smtClean="0"/>
+              <a:t>1</a:t>
+            </a:fld>
+            <a:endParaRPr lang="en-US"/>
+          </a:p>
+        </p:txBody>
+      </p:sp>
+    </p:spTree>
+    <p:extLst>
+      <p:ext uri="{BB962C8B-B14F-4D97-AF65-F5344CB8AC3E}">
+        <p14:creationId xmlns:p14="http://schemas.microsoft.com/office/powerpoint/2010/main" val="1839020487"/>
+      </p:ext>
+    </p:extLst>
+  </p:cSld>
+  <p:clrMapOvr>
+    <a:masterClrMapping/>
+  </p:clrMapOvr>
+</p:notes>
+</file>
+
+<file path=ppt/notesSlides/notesSlide2.xml><?xml version="1.0" encoding="utf-8"?>
+<p:notes xmlns:a="http://schemas.openxmlformats.org/drawingml/2006/main" xmlns:r="http://schemas.openxmlformats.org/officeDocument/2006/relationships" xmlns:p="http://schemas.openxmlformats.org/presentationml/2006/main">
+  <p:cSld>
+    <p:spTree>
+      <p:nvGrpSpPr>
+        <p:cNvPr id="1" name=""/>
+        <p:cNvGrpSpPr/>
+        <p:nvPr/>
+      </p:nvGrpSpPr>
+      <p:grpSpPr>
+        <a:xfrm>
+          <a:off x="0" y="0"/>
+          <a:ext cx="0" cy="0"/>
+          <a:chOff x="0" y="0"/>
+          <a:chExt cx="0" cy="0"/>
+        </a:xfrm>
+      </p:grpSpPr>
+      <p:sp>
+        <p:nvSpPr>
+          <p:cNvPr id="2" name="Slide Image Placeholder 1"/>
+          <p:cNvSpPr>
+            <a:spLocks noGrp="1" noRot="1" noChangeAspect="1"/>
+          </p:cNvSpPr>
+          <p:nvPr>
+            <p:ph type="sldImg"/>
+          </p:nvPr>
+        </p:nvSpPr>
+        <p:spPr/>
+      </p:sp>
+      <p:sp>
+        <p:nvSpPr>
+          <p:cNvPr id="3" name="Notes Placeholder 2"/>
+          <p:cNvSpPr>
+            <a:spLocks noGrp="1"/>
+          </p:cNvSpPr>
+          <p:nvPr>
+            <p:ph type="body" idx="1"/>
+          </p:nvPr>
+        </p:nvSpPr>
+        <p:spPr/>
+        <p:txBody>
+          <a:bodyPr/>
+          <a:lstStyle/>
+          <a:p>
+            <a:r>
+              <a:rPr lang="en-US" dirty="0"/>
+              <a:t>How: Creating a model that reflects the data provided by Sunny in the Psychology department.</a:t>
+            </a:r>
+          </a:p>
+        </p:txBody>
+      </p:sp>
+      <p:sp>
+        <p:nvSpPr>
+          <p:cNvPr id="4" name="Slide Number Placeholder 3"/>
+          <p:cNvSpPr>
+            <a:spLocks noGrp="1"/>
+          </p:cNvSpPr>
+          <p:nvPr>
+            <p:ph type="sldNum" sz="quarter" idx="5"/>
+          </p:nvPr>
+        </p:nvSpPr>
+        <p:spPr/>
+        <p:txBody>
+          <a:bodyPr/>
+          <a:lstStyle/>
+          <a:p>
+            <a:fld id="{70CAC5E2-7E6F-4950-8CF5-371E8255B795}" type="slidenum">
+              <a:rPr lang="en-US" smtClean="0"/>
+              <a:t>3</a:t>
+            </a:fld>
+            <a:endParaRPr lang="en-US"/>
+          </a:p>
+        </p:txBody>
+      </p:sp>
+    </p:spTree>
+    <p:extLst>
+      <p:ext uri="{BB962C8B-B14F-4D97-AF65-F5344CB8AC3E}">
+        <p14:creationId xmlns:p14="http://schemas.microsoft.com/office/powerpoint/2010/main" val="1275538554"/>
+      </p:ext>
+    </p:extLst>
+  </p:cSld>
+  <p:clrMapOvr>
+    <a:masterClrMapping/>
+  </p:clrMapOvr>
+</p:notes>
+</file>
+
+<file path=ppt/notesSlides/notesSlide3.xml><?xml version="1.0" encoding="utf-8"?>
+<p:notes xmlns:a="http://schemas.openxmlformats.org/drawingml/2006/main" xmlns:r="http://schemas.openxmlformats.org/officeDocument/2006/relationships" xmlns:p="http://schemas.openxmlformats.org/presentationml/2006/main">
+  <p:cSld>
+    <p:spTree>
+      <p:nvGrpSpPr>
+        <p:cNvPr id="1" name=""/>
+        <p:cNvGrpSpPr/>
+        <p:nvPr/>
+      </p:nvGrpSpPr>
+      <p:grpSpPr>
+        <a:xfrm>
+          <a:off x="0" y="0"/>
+          <a:ext cx="0" cy="0"/>
+          <a:chOff x="0" y="0"/>
+          <a:chExt cx="0" cy="0"/>
+        </a:xfrm>
+      </p:grpSpPr>
+      <p:sp>
+        <p:nvSpPr>
+          <p:cNvPr id="2" name="Slide Image Placeholder 1"/>
+          <p:cNvSpPr>
+            <a:spLocks noGrp="1" noRot="1" noChangeAspect="1"/>
+          </p:cNvSpPr>
+          <p:nvPr>
+            <p:ph type="sldImg"/>
+          </p:nvPr>
+        </p:nvSpPr>
+        <p:spPr/>
+      </p:sp>
+      <p:sp>
+        <p:nvSpPr>
+          <p:cNvPr id="3" name="Notes Placeholder 2"/>
+          <p:cNvSpPr>
+            <a:spLocks noGrp="1"/>
+          </p:cNvSpPr>
+          <p:nvPr>
+            <p:ph type="body" idx="1"/>
+          </p:nvPr>
+        </p:nvSpPr>
+        <p:spPr/>
+        <p:txBody>
+          <a:bodyPr/>
+          <a:lstStyle/>
+          <a:p>
+            <a:r>
+              <a:rPr lang="en-US" dirty="0"/>
+              <a:t>Coding in second half</a:t>
+            </a:r>
+          </a:p>
+        </p:txBody>
+      </p:sp>
+      <p:sp>
+        <p:nvSpPr>
+          <p:cNvPr id="4" name="Slide Number Placeholder 3"/>
+          <p:cNvSpPr>
+            <a:spLocks noGrp="1"/>
+          </p:cNvSpPr>
+          <p:nvPr>
+            <p:ph type="sldNum" sz="quarter" idx="5"/>
+          </p:nvPr>
+        </p:nvSpPr>
+        <p:spPr/>
+        <p:txBody>
+          <a:bodyPr/>
+          <a:lstStyle/>
+          <a:p>
+            <a:fld id="{70CAC5E2-7E6F-4950-8CF5-371E8255B795}" type="slidenum">
+              <a:rPr lang="en-US" smtClean="0"/>
+              <a:t>5</a:t>
+            </a:fld>
+            <a:endParaRPr lang="en-US"/>
+          </a:p>
+        </p:txBody>
+      </p:sp>
+    </p:spTree>
+    <p:extLst>
+      <p:ext uri="{BB962C8B-B14F-4D97-AF65-F5344CB8AC3E}">
+        <p14:creationId xmlns:p14="http://schemas.microsoft.com/office/powerpoint/2010/main" val="3076053090"/>
+      </p:ext>
+    </p:extLst>
+  </p:cSld>
+  <p:clrMapOvr>
+    <a:masterClrMapping/>
+  </p:clrMapOvr>
+</p:notes>
+</file>
+
+<file path=ppt/notesSlides/notesSlide4.xml><?xml version="1.0" encoding="utf-8"?>
+<p:notes xmlns:a="http://schemas.openxmlformats.org/drawingml/2006/main" xmlns:r="http://schemas.openxmlformats.org/officeDocument/2006/relationships" xmlns:p="http://schemas.openxmlformats.org/presentationml/2006/main">
+  <p:cSld>
+    <p:spTree>
+      <p:nvGrpSpPr>
+        <p:cNvPr id="1" name=""/>
+        <p:cNvGrpSpPr/>
+        <p:nvPr/>
+      </p:nvGrpSpPr>
+      <p:grpSpPr>
+        <a:xfrm>
+          <a:off x="0" y="0"/>
+          <a:ext cx="0" cy="0"/>
+          <a:chOff x="0" y="0"/>
+          <a:chExt cx="0" cy="0"/>
+        </a:xfrm>
+      </p:grpSpPr>
+      <p:sp>
+        <p:nvSpPr>
+          <p:cNvPr id="2" name="Slide Image Placeholder 1"/>
+          <p:cNvSpPr>
+            <a:spLocks noGrp="1" noRot="1" noChangeAspect="1"/>
+          </p:cNvSpPr>
+          <p:nvPr>
+            <p:ph type="sldImg"/>
+          </p:nvPr>
+        </p:nvSpPr>
+        <p:spPr/>
+      </p:sp>
+      <p:sp>
+        <p:nvSpPr>
+          <p:cNvPr id="3" name="Notes Placeholder 2"/>
+          <p:cNvSpPr>
+            <a:spLocks noGrp="1"/>
+          </p:cNvSpPr>
+          <p:nvPr>
+            <p:ph type="body" idx="1"/>
+          </p:nvPr>
+        </p:nvSpPr>
+        <p:spPr/>
+        <p:txBody>
+          <a:bodyPr/>
+          <a:lstStyle/>
+          <a:p>
+            <a:endParaRPr lang="en-US" dirty="0"/>
+          </a:p>
+        </p:txBody>
+      </p:sp>
+      <p:sp>
+        <p:nvSpPr>
+          <p:cNvPr id="4" name="Slide Number Placeholder 3"/>
+          <p:cNvSpPr>
+            <a:spLocks noGrp="1"/>
+          </p:cNvSpPr>
+          <p:nvPr>
+            <p:ph type="sldNum" sz="quarter" idx="5"/>
+          </p:nvPr>
+        </p:nvSpPr>
+        <p:spPr/>
+        <p:txBody>
+          <a:bodyPr/>
+          <a:lstStyle/>
+          <a:p>
+            <a:fld id="{70CAC5E2-7E6F-4950-8CF5-371E8255B795}" type="slidenum">
+              <a:rPr lang="en-US" smtClean="0"/>
+              <a:t>9</a:t>
+            </a:fld>
+            <a:endParaRPr lang="en-US"/>
+          </a:p>
+        </p:txBody>
+      </p:sp>
+    </p:spTree>
+    <p:extLst>
+      <p:ext uri="{BB962C8B-B14F-4D97-AF65-F5344CB8AC3E}">
+        <p14:creationId xmlns:p14="http://schemas.microsoft.com/office/powerpoint/2010/main" val="3855982276"/>
+      </p:ext>
+    </p:extLst>
+  </p:cSld>
+  <p:clrMapOvr>
+    <a:masterClrMapping/>
+  </p:clrMapOvr>
+</p:notes>
+</file>
+
+<file path=ppt/notesSlides/notesSlide5.xml><?xml version="1.0" encoding="utf-8"?>
+<p:notes xmlns:a="http://schemas.openxmlformats.org/drawingml/2006/main" xmlns:r="http://schemas.openxmlformats.org/officeDocument/2006/relationships" xmlns:p="http://schemas.openxmlformats.org/presentationml/2006/main">
+  <p:cSld>
+    <p:spTree>
+      <p:nvGrpSpPr>
+        <p:cNvPr id="1" name=""/>
+        <p:cNvGrpSpPr/>
+        <p:nvPr/>
+      </p:nvGrpSpPr>
+      <p:grpSpPr>
+        <a:xfrm>
+          <a:off x="0" y="0"/>
+          <a:ext cx="0" cy="0"/>
+          <a:chOff x="0" y="0"/>
+          <a:chExt cx="0" cy="0"/>
+        </a:xfrm>
+      </p:grpSpPr>
+      <p:sp>
+        <p:nvSpPr>
+          <p:cNvPr id="2" name="Slide Image Placeholder 1"/>
+          <p:cNvSpPr>
+            <a:spLocks noGrp="1" noRot="1" noChangeAspect="1"/>
+          </p:cNvSpPr>
+          <p:nvPr>
+            <p:ph type="sldImg"/>
+          </p:nvPr>
+        </p:nvSpPr>
+        <p:spPr/>
+      </p:sp>
+      <p:sp>
+        <p:nvSpPr>
+          <p:cNvPr id="3" name="Notes Placeholder 2"/>
+          <p:cNvSpPr>
+            <a:spLocks noGrp="1"/>
+          </p:cNvSpPr>
+          <p:nvPr>
+            <p:ph type="body" idx="1"/>
+          </p:nvPr>
+        </p:nvSpPr>
+        <p:spPr/>
+        <p:txBody>
+          <a:bodyPr/>
+          <a:lstStyle/>
+          <a:p>
             <a:r>
               <a:rPr lang="en-US" dirty="0"/>
               <a:t>Discovery: To generate a model to reflect events seen (what we will be doing with the speech act data we are given (</a:t>
@@ -565,7 +910,7 @@
           <a:p>
             <a:fld id="{70CAC5E2-7E6F-4950-8CF5-371E8255B795}" type="slidenum">
               <a:rPr lang="en-US" smtClean="0"/>
-              <a:t>8</a:t>
+              <a:t>11</a:t>
             </a:fld>
             <a:endParaRPr lang="en-US"/>
           </a:p>
@@ -575,6 +920,183 @@
     <p:extLst>
       <p:ext uri="{BB962C8B-B14F-4D97-AF65-F5344CB8AC3E}">
         <p14:creationId xmlns:p14="http://schemas.microsoft.com/office/powerpoint/2010/main" val="1390077382"/>
+      </p:ext>
+    </p:extLst>
+  </p:cSld>
+  <p:clrMapOvr>
+    <a:masterClrMapping/>
+  </p:clrMapOvr>
+</p:notes>
+</file>
+
+<file path=ppt/notesSlides/notesSlide6.xml><?xml version="1.0" encoding="utf-8"?>
+<p:notes xmlns:a="http://schemas.openxmlformats.org/drawingml/2006/main" xmlns:r="http://schemas.openxmlformats.org/officeDocument/2006/relationships" xmlns:p="http://schemas.openxmlformats.org/presentationml/2006/main">
+  <p:cSld>
+    <p:spTree>
+      <p:nvGrpSpPr>
+        <p:cNvPr id="1" name=""/>
+        <p:cNvGrpSpPr/>
+        <p:nvPr/>
+      </p:nvGrpSpPr>
+      <p:grpSpPr>
+        <a:xfrm>
+          <a:off x="0" y="0"/>
+          <a:ext cx="0" cy="0"/>
+          <a:chOff x="0" y="0"/>
+          <a:chExt cx="0" cy="0"/>
+        </a:xfrm>
+      </p:grpSpPr>
+      <p:sp>
+        <p:nvSpPr>
+          <p:cNvPr id="2" name="Slide Image Placeholder 1"/>
+          <p:cNvSpPr>
+            <a:spLocks noGrp="1" noRot="1" noChangeAspect="1"/>
+          </p:cNvSpPr>
+          <p:nvPr>
+            <p:ph type="sldImg"/>
+          </p:nvPr>
+        </p:nvSpPr>
+        <p:spPr/>
+      </p:sp>
+      <p:sp>
+        <p:nvSpPr>
+          <p:cNvPr id="3" name="Notes Placeholder 2"/>
+          <p:cNvSpPr>
+            <a:spLocks noGrp="1"/>
+          </p:cNvSpPr>
+          <p:nvPr>
+            <p:ph type="body" idx="1"/>
+          </p:nvPr>
+        </p:nvSpPr>
+        <p:spPr/>
+        <p:txBody>
+          <a:bodyPr/>
+          <a:lstStyle/>
+          <a:p>
+            <a:endParaRPr lang="en-US" dirty="0"/>
+          </a:p>
+        </p:txBody>
+      </p:sp>
+      <p:sp>
+        <p:nvSpPr>
+          <p:cNvPr id="4" name="Slide Number Placeholder 3"/>
+          <p:cNvSpPr>
+            <a:spLocks noGrp="1"/>
+          </p:cNvSpPr>
+          <p:nvPr>
+            <p:ph type="sldNum" sz="quarter" idx="5"/>
+          </p:nvPr>
+        </p:nvSpPr>
+        <p:spPr/>
+        <p:txBody>
+          <a:bodyPr/>
+          <a:lstStyle/>
+          <a:p>
+            <a:fld id="{70CAC5E2-7E6F-4950-8CF5-371E8255B795}" type="slidenum">
+              <a:rPr lang="en-US" smtClean="0"/>
+              <a:t>14</a:t>
+            </a:fld>
+            <a:endParaRPr lang="en-US"/>
+          </a:p>
+        </p:txBody>
+      </p:sp>
+    </p:spTree>
+    <p:extLst>
+      <p:ext uri="{BB962C8B-B14F-4D97-AF65-F5344CB8AC3E}">
+        <p14:creationId xmlns:p14="http://schemas.microsoft.com/office/powerpoint/2010/main" val="1393138812"/>
+      </p:ext>
+    </p:extLst>
+  </p:cSld>
+  <p:clrMapOvr>
+    <a:masterClrMapping/>
+  </p:clrMapOvr>
+</p:notes>
+</file>
+
+<file path=ppt/notesSlides/notesSlide7.xml><?xml version="1.0" encoding="utf-8"?>
+<p:notes xmlns:a="http://schemas.openxmlformats.org/drawingml/2006/main" xmlns:r="http://schemas.openxmlformats.org/officeDocument/2006/relationships" xmlns:p="http://schemas.openxmlformats.org/presentationml/2006/main">
+  <p:cSld>
+    <p:spTree>
+      <p:nvGrpSpPr>
+        <p:cNvPr id="1" name=""/>
+        <p:cNvGrpSpPr/>
+        <p:nvPr/>
+      </p:nvGrpSpPr>
+      <p:grpSpPr>
+        <a:xfrm>
+          <a:off x="0" y="0"/>
+          <a:ext cx="0" cy="0"/>
+          <a:chOff x="0" y="0"/>
+          <a:chExt cx="0" cy="0"/>
+        </a:xfrm>
+      </p:grpSpPr>
+      <p:sp>
+        <p:nvSpPr>
+          <p:cNvPr id="2" name="Slide Image Placeholder 1"/>
+          <p:cNvSpPr>
+            <a:spLocks noGrp="1" noRot="1" noChangeAspect="1"/>
+          </p:cNvSpPr>
+          <p:nvPr>
+            <p:ph type="sldImg"/>
+          </p:nvPr>
+        </p:nvSpPr>
+        <p:spPr/>
+      </p:sp>
+      <p:sp>
+        <p:nvSpPr>
+          <p:cNvPr id="3" name="Notes Placeholder 2"/>
+          <p:cNvSpPr>
+            <a:spLocks noGrp="1"/>
+          </p:cNvSpPr>
+          <p:nvPr>
+            <p:ph type="body" idx="1"/>
+          </p:nvPr>
+        </p:nvSpPr>
+        <p:spPr/>
+        <p:txBody>
+          <a:bodyPr/>
+          <a:lstStyle/>
+          <a:p>
+            <a:r>
+              <a:rPr lang="en-US" dirty="0"/>
+              <a:t>Looking at different types of models</a:t>
+            </a:r>
+          </a:p>
+          <a:p>
+            <a:r>
+              <a:rPr lang="en-US" dirty="0"/>
+              <a:t>Seeing which ones represent the provided data the best</a:t>
+            </a:r>
+          </a:p>
+        </p:txBody>
+      </p:sp>
+      <p:sp>
+        <p:nvSpPr>
+          <p:cNvPr id="4" name="Slide Number Placeholder 3"/>
+          <p:cNvSpPr>
+            <a:spLocks noGrp="1"/>
+          </p:cNvSpPr>
+          <p:nvPr>
+            <p:ph type="sldNum" sz="quarter" idx="5"/>
+          </p:nvPr>
+        </p:nvSpPr>
+        <p:spPr/>
+        <p:txBody>
+          <a:bodyPr/>
+          <a:lstStyle/>
+          <a:p>
+            <a:fld id="{70CAC5E2-7E6F-4950-8CF5-371E8255B795}" type="slidenum">
+              <a:rPr lang="en-US" smtClean="0"/>
+              <a:t>15</a:t>
+            </a:fld>
+            <a:endParaRPr lang="en-US"/>
+          </a:p>
+        </p:txBody>
+      </p:sp>
+    </p:spTree>
+    <p:extLst>
+      <p:ext uri="{BB962C8B-B14F-4D97-AF65-F5344CB8AC3E}">
+        <p14:creationId xmlns:p14="http://schemas.microsoft.com/office/powerpoint/2010/main" val="2487206016"/>
       </p:ext>
     </p:extLst>
   </p:cSld>
@@ -731,7 +1253,7 @@
           <a:p>
             <a:fld id="{80A40925-20D3-4779-B19B-C89593154448}" type="datetimeFigureOut">
               <a:rPr lang="en-US" smtClean="0"/>
-              <a:t>08-Mar-20</a:t>
+              <a:t>3/9/2020</a:t>
             </a:fld>
             <a:endParaRPr lang="en-US"/>
           </a:p>
@@ -929,7 +1451,7 @@
           <a:p>
             <a:fld id="{80A40925-20D3-4779-B19B-C89593154448}" type="datetimeFigureOut">
               <a:rPr lang="en-US" smtClean="0"/>
-              <a:t>08-Mar-20</a:t>
+              <a:t>3/9/2020</a:t>
             </a:fld>
             <a:endParaRPr lang="en-US"/>
           </a:p>
@@ -1137,7 +1659,7 @@
           <a:p>
             <a:fld id="{80A40925-20D3-4779-B19B-C89593154448}" type="datetimeFigureOut">
               <a:rPr lang="en-US" smtClean="0"/>
-              <a:t>08-Mar-20</a:t>
+              <a:t>3/9/2020</a:t>
             </a:fld>
             <a:endParaRPr lang="en-US"/>
           </a:p>
@@ -1335,7 +1857,7 @@
           <a:p>
             <a:fld id="{80A40925-20D3-4779-B19B-C89593154448}" type="datetimeFigureOut">
               <a:rPr lang="en-US" smtClean="0"/>
-              <a:t>08-Mar-20</a:t>
+              <a:t>3/9/2020</a:t>
             </a:fld>
             <a:endParaRPr lang="en-US"/>
           </a:p>
@@ -1610,7 +2132,7 @@
           <a:p>
             <a:fld id="{80A40925-20D3-4779-B19B-C89593154448}" type="datetimeFigureOut">
               <a:rPr lang="en-US" smtClean="0"/>
-              <a:t>08-Mar-20</a:t>
+              <a:t>3/9/2020</a:t>
             </a:fld>
             <a:endParaRPr lang="en-US"/>
           </a:p>
@@ -1875,7 +2397,7 @@
           <a:p>
             <a:fld id="{80A40925-20D3-4779-B19B-C89593154448}" type="datetimeFigureOut">
               <a:rPr lang="en-US" smtClean="0"/>
-              <a:t>08-Mar-20</a:t>
+              <a:t>3/9/2020</a:t>
             </a:fld>
             <a:endParaRPr lang="en-US"/>
           </a:p>
@@ -2287,7 +2809,7 @@
           <a:p>
             <a:fld id="{80A40925-20D3-4779-B19B-C89593154448}" type="datetimeFigureOut">
               <a:rPr lang="en-US" smtClean="0"/>
-              <a:t>08-Mar-20</a:t>
+              <a:t>3/9/2020</a:t>
             </a:fld>
             <a:endParaRPr lang="en-US"/>
           </a:p>
@@ -2428,7 +2950,7 @@
           <a:p>
             <a:fld id="{80A40925-20D3-4779-B19B-C89593154448}" type="datetimeFigureOut">
               <a:rPr lang="en-US" smtClean="0"/>
-              <a:t>08-Mar-20</a:t>
+              <a:t>3/9/2020</a:t>
             </a:fld>
             <a:endParaRPr lang="en-US"/>
           </a:p>
@@ -2541,7 +3063,7 @@
           <a:p>
             <a:fld id="{80A40925-20D3-4779-B19B-C89593154448}" type="datetimeFigureOut">
               <a:rPr lang="en-US" smtClean="0"/>
-              <a:t>08-Mar-20</a:t>
+              <a:t>3/9/2020</a:t>
             </a:fld>
             <a:endParaRPr lang="en-US"/>
           </a:p>
@@ -2852,7 +3374,7 @@
           <a:p>
             <a:fld id="{80A40925-20D3-4779-B19B-C89593154448}" type="datetimeFigureOut">
               <a:rPr lang="en-US" smtClean="0"/>
-              <a:t>08-Mar-20</a:t>
+              <a:t>3/9/2020</a:t>
             </a:fld>
             <a:endParaRPr lang="en-US"/>
           </a:p>
@@ -3140,7 +3662,7 @@
           <a:p>
             <a:fld id="{80A40925-20D3-4779-B19B-C89593154448}" type="datetimeFigureOut">
               <a:rPr lang="en-US" smtClean="0"/>
-              <a:t>08-Mar-20</a:t>
+              <a:t>3/9/2020</a:t>
             </a:fld>
             <a:endParaRPr lang="en-US"/>
           </a:p>
@@ -3381,7 +3903,7 @@
           <a:p>
             <a:fld id="{80A40925-20D3-4779-B19B-C89593154448}" type="datetimeFigureOut">
               <a:rPr lang="en-US" smtClean="0"/>
-              <a:t>08-Mar-20</a:t>
+              <a:t>3/9/2020</a:t>
             </a:fld>
             <a:endParaRPr lang="en-US"/>
           </a:p>
@@ -3844,10 +4366,39 @@
         </p:nvSpPr>
         <p:spPr/>
         <p:txBody>
-          <a:bodyPr/>
-          <a:lstStyle/>
-          <a:p>
+          <a:bodyPr>
+            <a:normAutofit lnSpcReduction="10000"/>
+          </a:bodyPr>
+          <a:lstStyle/>
+          <a:p>
+            <a:r>
+              <a:rPr lang="en-US" dirty="0"/>
+              <a:t>By:</a:t>
+            </a:r>
+          </a:p>
+          <a:p>
+            <a:r>
+              <a:rPr lang="en-US" dirty="0" err="1"/>
+              <a:t>Kense</a:t>
+            </a:r>
             <a:endParaRPr lang="en-US" dirty="0"/>
+          </a:p>
+          <a:p>
+            <a:r>
+              <a:rPr lang="en-US" dirty="0"/>
+              <a:t>Abdallah </a:t>
+            </a:r>
+            <a:r>
+              <a:rPr lang="en-US" dirty="0" err="1"/>
+              <a:t>Itani</a:t>
+            </a:r>
+            <a:endParaRPr lang="en-US" dirty="0"/>
+          </a:p>
+          <a:p>
+            <a:r>
+              <a:rPr lang="en-US" dirty="0"/>
+              <a:t>Kevin Adea</a:t>
+            </a:r>
           </a:p>
         </p:txBody>
       </p:sp>
@@ -3886,7 +4437,7 @@
           <p:cNvPr id="2" name="Title 1">
             <a:extLst>
               <a:ext uri="{FF2B5EF4-FFF2-40B4-BE49-F238E27FC236}">
-                <a16:creationId xmlns:a16="http://schemas.microsoft.com/office/drawing/2014/main" id="{799DED63-8FC8-4FEE-8989-5AB5BDF8D1BD}"/>
+                <a16:creationId xmlns:a16="http://schemas.microsoft.com/office/drawing/2014/main" id="{AF1F1EC4-6BB2-4EBC-B1CD-152424598244}"/>
               </a:ext>
             </a:extLst>
           </p:cNvPr>
@@ -3902,7 +4453,10 @@
           <a:bodyPr/>
           <a:lstStyle/>
           <a:p>
-            <a:endParaRPr lang="en-US"/>
+            <a:r>
+              <a:rPr lang="en-US" dirty="0"/>
+              <a:t>Linear Temporal Logic</a:t>
+            </a:r>
           </a:p>
         </p:txBody>
       </p:sp>
@@ -3911,7 +4465,7 @@
           <p:cNvPr id="3" name="Content Placeholder 2">
             <a:extLst>
               <a:ext uri="{FF2B5EF4-FFF2-40B4-BE49-F238E27FC236}">
-                <a16:creationId xmlns:a16="http://schemas.microsoft.com/office/drawing/2014/main" id="{6CA39058-900E-4DCE-B0FC-B31B4E38F43B}"/>
+                <a16:creationId xmlns:a16="http://schemas.microsoft.com/office/drawing/2014/main" id="{2E9D30BE-5499-407F-BB25-6D9AEC11723F}"/>
               </a:ext>
             </a:extLst>
           </p:cNvPr>
@@ -3929,7 +4483,40 @@
           <a:p>
             <a:r>
               <a:rPr lang="en-US" dirty="0"/>
-              <a:t>//I will add a snippet of a causal net here</a:t>
+              <a:t>Similar to the CTL we examined before in class.</a:t>
+            </a:r>
+          </a:p>
+          <a:p>
+            <a:r>
+              <a:rPr lang="en-US" dirty="0"/>
+              <a:t>Addition of new logics: </a:t>
+            </a:r>
+          </a:p>
+          <a:p>
+            <a:pPr lvl="1"/>
+            <a:r>
+              <a:rPr lang="en-US" dirty="0"/>
+              <a:t>Release (R)</a:t>
+            </a:r>
+          </a:p>
+          <a:p>
+            <a:pPr lvl="1"/>
+            <a:r>
+              <a:rPr lang="en-US" dirty="0"/>
+              <a:t>Weak Until (W)</a:t>
+            </a:r>
+          </a:p>
+          <a:p>
+            <a:pPr lvl="1"/>
+            <a:r>
+              <a:rPr lang="en-US" dirty="0"/>
+              <a:t>Strong Release (M)</a:t>
+            </a:r>
+          </a:p>
+          <a:p>
+            <a:r>
+              <a:rPr lang="en-US" dirty="0"/>
+              <a:t>“Give Recall releases Check Reception” as an example</a:t>
             </a:r>
           </a:p>
         </p:txBody>
@@ -3937,7 +4524,7 @@
     </p:spTree>
     <p:extLst>
       <p:ext uri="{BB962C8B-B14F-4D97-AF65-F5344CB8AC3E}">
-        <p14:creationId xmlns:p14="http://schemas.microsoft.com/office/powerpoint/2010/main" val="3800944998"/>
+        <p14:creationId xmlns:p14="http://schemas.microsoft.com/office/powerpoint/2010/main" val="42754617"/>
       </p:ext>
     </p:extLst>
   </p:cSld>
@@ -3969,7 +4556,7 @@
           <p:cNvPr id="2" name="Title 1">
             <a:extLst>
               <a:ext uri="{FF2B5EF4-FFF2-40B4-BE49-F238E27FC236}">
-                <a16:creationId xmlns:a16="http://schemas.microsoft.com/office/drawing/2014/main" id="{4198D48E-DC71-4DB0-A87A-DED5FD39186B}"/>
+                <a16:creationId xmlns:a16="http://schemas.microsoft.com/office/drawing/2014/main" id="{4F4F4BD9-F5E1-49D7-A209-A567D33F1358}"/>
               </a:ext>
             </a:extLst>
           </p:cNvPr>
@@ -3987,7 +4574,7 @@
           <a:p>
             <a:r>
               <a:rPr lang="en-US" dirty="0"/>
-              <a:t>Status Update</a:t>
+              <a:t>Process Mining</a:t>
             </a:r>
           </a:p>
         </p:txBody>
@@ -3997,7 +4584,7 @@
           <p:cNvPr id="3" name="Content Placeholder 2">
             <a:extLst>
               <a:ext uri="{FF2B5EF4-FFF2-40B4-BE49-F238E27FC236}">
-                <a16:creationId xmlns:a16="http://schemas.microsoft.com/office/drawing/2014/main" id="{2A2572E2-8F96-4061-9263-6B81FE28B46B}"/>
+                <a16:creationId xmlns:a16="http://schemas.microsoft.com/office/drawing/2014/main" id="{493380AF-5FB7-4650-ADFA-5F20F18EB1A6}"/>
               </a:ext>
             </a:extLst>
           </p:cNvPr>
@@ -4015,19 +4602,13 @@
           <a:p>
             <a:r>
               <a:rPr lang="en-US" dirty="0"/>
-              <a:t>Overall big-picture of goals and concepts.</a:t>
-            </a:r>
-          </a:p>
-          <a:p>
-            <a:r>
-              <a:rPr lang="en-US" dirty="0"/>
-              <a:t>Background information regarding the field.</a:t>
-            </a:r>
-          </a:p>
-          <a:p>
-            <a:r>
-              <a:rPr lang="en-US" dirty="0"/>
-              <a:t>Snippet of a model to get a feel for the data.</a:t>
+              <a:t>“Process Mining aims to exploit event data […] to provide insights, identify bottlenecks, anticipate problems, […] and streamline processes.” - Wil van der Aalst</a:t>
+            </a:r>
+          </a:p>
+          <a:p>
+            <a:r>
+              <a:rPr lang="en-US" dirty="0"/>
+              <a:t>Discovery and Conformance</a:t>
             </a:r>
           </a:p>
           <a:p>
@@ -4038,7 +4619,7 @@
     </p:spTree>
     <p:extLst>
       <p:ext uri="{BB962C8B-B14F-4D97-AF65-F5344CB8AC3E}">
-        <p14:creationId xmlns:p14="http://schemas.microsoft.com/office/powerpoint/2010/main" val="3558774306"/>
+        <p14:creationId xmlns:p14="http://schemas.microsoft.com/office/powerpoint/2010/main" val="1196386765"/>
       </p:ext>
     </p:extLst>
   </p:cSld>
@@ -4070,7 +4651,7 @@
           <p:cNvPr id="2" name="Title 1">
             <a:extLst>
               <a:ext uri="{FF2B5EF4-FFF2-40B4-BE49-F238E27FC236}">
-                <a16:creationId xmlns:a16="http://schemas.microsoft.com/office/drawing/2014/main" id="{598A6767-6027-492B-856D-57CCD2C27B7E}"/>
+                <a16:creationId xmlns:a16="http://schemas.microsoft.com/office/drawing/2014/main" id="{C2EBF3F3-CB60-486D-A93C-0CBF566B66E9}"/>
               </a:ext>
             </a:extLst>
           </p:cNvPr>
@@ -4088,813 +4669,13 @@
           <a:p>
             <a:r>
               <a:rPr lang="en-US" dirty="0"/>
-              <a:t>Goals</a:t>
-            </a:r>
-          </a:p>
-        </p:txBody>
-      </p:sp>
-      <p:sp>
-        <p:nvSpPr>
-          <p:cNvPr id="3" name="Content Placeholder 2">
-            <a:extLst>
-              <a:ext uri="{FF2B5EF4-FFF2-40B4-BE49-F238E27FC236}">
-                <a16:creationId xmlns:a16="http://schemas.microsoft.com/office/drawing/2014/main" id="{9B87E0EA-DB33-4C5E-9DB6-F310D1861872}"/>
-              </a:ext>
-            </a:extLst>
-          </p:cNvPr>
-          <p:cNvSpPr>
-            <a:spLocks noGrp="1"/>
-          </p:cNvSpPr>
-          <p:nvPr>
-            <p:ph idx="1"/>
-          </p:nvPr>
-        </p:nvSpPr>
-        <p:spPr/>
-        <p:txBody>
-          <a:bodyPr/>
-          <a:lstStyle/>
-          <a:p>
-            <a:r>
-              <a:rPr lang="en-US" dirty="0"/>
-              <a:t>Find an appropriate method to automate creation of model.</a:t>
-            </a:r>
-          </a:p>
-          <a:p>
-            <a:r>
-              <a:rPr lang="en-US" dirty="0"/>
-              <a:t>Apply logic and model to data.</a:t>
-            </a:r>
-          </a:p>
-        </p:txBody>
-      </p:sp>
-    </p:spTree>
-    <p:extLst>
-      <p:ext uri="{BB962C8B-B14F-4D97-AF65-F5344CB8AC3E}">
-        <p14:creationId xmlns:p14="http://schemas.microsoft.com/office/powerpoint/2010/main" val="4174229151"/>
-      </p:ext>
-    </p:extLst>
-  </p:cSld>
-  <p:clrMapOvr>
-    <a:masterClrMapping/>
-  </p:clrMapOvr>
-</p:sld>
-</file>
-
-<file path=ppt/slides/slide2.xml><?xml version="1.0" encoding="utf-8"?>
-<p:sld xmlns:a="http://schemas.openxmlformats.org/drawingml/2006/main" xmlns:r="http://schemas.openxmlformats.org/officeDocument/2006/relationships" xmlns:p="http://schemas.openxmlformats.org/presentationml/2006/main">
-  <p:cSld>
-    <p:spTree>
-      <p:nvGrpSpPr>
-        <p:cNvPr id="1" name=""/>
-        <p:cNvGrpSpPr/>
-        <p:nvPr/>
-      </p:nvGrpSpPr>
-      <p:grpSpPr>
-        <a:xfrm>
-          <a:off x="0" y="0"/>
-          <a:ext cx="0" cy="0"/>
-          <a:chOff x="0" y="0"/>
-          <a:chExt cx="0" cy="0"/>
-        </a:xfrm>
-      </p:grpSpPr>
-      <p:sp>
-        <p:nvSpPr>
-          <p:cNvPr id="2" name="Title 1">
-            <a:extLst>
-              <a:ext uri="{FF2B5EF4-FFF2-40B4-BE49-F238E27FC236}">
-                <a16:creationId xmlns:a16="http://schemas.microsoft.com/office/drawing/2014/main" id="{A0949CC9-FBE7-4727-87E4-77D85AB42251}"/>
-              </a:ext>
-            </a:extLst>
-          </p:cNvPr>
-          <p:cNvSpPr>
-            <a:spLocks noGrp="1"/>
-          </p:cNvSpPr>
-          <p:nvPr>
-            <p:ph type="title"/>
-          </p:nvPr>
-        </p:nvSpPr>
-        <p:spPr/>
-        <p:txBody>
-          <a:bodyPr/>
-          <a:lstStyle/>
-          <a:p>
-            <a:r>
-              <a:rPr lang="en-US" dirty="0"/>
-              <a:t>Objective</a:t>
-            </a:r>
-          </a:p>
-        </p:txBody>
-      </p:sp>
-      <p:sp>
-        <p:nvSpPr>
-          <p:cNvPr id="3" name="Content Placeholder 2">
-            <a:extLst>
-              <a:ext uri="{FF2B5EF4-FFF2-40B4-BE49-F238E27FC236}">
-                <a16:creationId xmlns:a16="http://schemas.microsoft.com/office/drawing/2014/main" id="{6AD013E4-F1B1-40D4-9E5A-7CF4BDB5D8BA}"/>
-              </a:ext>
-            </a:extLst>
-          </p:cNvPr>
-          <p:cNvSpPr>
-            <a:spLocks noGrp="1"/>
-          </p:cNvSpPr>
-          <p:nvPr>
-            <p:ph idx="1"/>
-          </p:nvPr>
-        </p:nvSpPr>
-        <p:spPr/>
-        <p:txBody>
-          <a:bodyPr/>
-          <a:lstStyle/>
-          <a:p>
-            <a:r>
-              <a:rPr lang="en-US" dirty="0"/>
-              <a:t>Solidify a method of reasoning about a session of collaborative acts.</a:t>
-            </a:r>
-          </a:p>
-          <a:p>
-            <a:r>
-              <a:rPr lang="en-US" dirty="0"/>
-              <a:t>Determining which modeling logic is appropriate to represent this type of domain </a:t>
-            </a:r>
-          </a:p>
-        </p:txBody>
-      </p:sp>
-    </p:spTree>
-    <p:extLst>
-      <p:ext uri="{BB962C8B-B14F-4D97-AF65-F5344CB8AC3E}">
-        <p14:creationId xmlns:p14="http://schemas.microsoft.com/office/powerpoint/2010/main" val="974266473"/>
-      </p:ext>
-    </p:extLst>
-  </p:cSld>
-  <p:clrMapOvr>
-    <a:masterClrMapping/>
-  </p:clrMapOvr>
-</p:sld>
-</file>
-
-<file path=ppt/slides/slide3.xml><?xml version="1.0" encoding="utf-8"?>
-<p:sld xmlns:a="http://schemas.openxmlformats.org/drawingml/2006/main" xmlns:r="http://schemas.openxmlformats.org/officeDocument/2006/relationships" xmlns:p="http://schemas.openxmlformats.org/presentationml/2006/main">
-  <p:cSld>
-    <p:spTree>
-      <p:nvGrpSpPr>
-        <p:cNvPr id="1" name=""/>
-        <p:cNvGrpSpPr/>
-        <p:nvPr/>
-      </p:nvGrpSpPr>
-      <p:grpSpPr>
-        <a:xfrm>
-          <a:off x="0" y="0"/>
-          <a:ext cx="0" cy="0"/>
-          <a:chOff x="0" y="0"/>
-          <a:chExt cx="0" cy="0"/>
-        </a:xfrm>
-      </p:grpSpPr>
-      <p:sp>
-        <p:nvSpPr>
-          <p:cNvPr id="2" name="Title 1">
-            <a:extLst>
-              <a:ext uri="{FF2B5EF4-FFF2-40B4-BE49-F238E27FC236}">
-                <a16:creationId xmlns:a16="http://schemas.microsoft.com/office/drawing/2014/main" id="{2D7DB8D3-7803-4025-A870-A23F52A36185}"/>
-              </a:ext>
-            </a:extLst>
-          </p:cNvPr>
-          <p:cNvSpPr>
-            <a:spLocks noGrp="1"/>
-          </p:cNvSpPr>
-          <p:nvPr>
-            <p:ph type="title"/>
-          </p:nvPr>
-        </p:nvSpPr>
-        <p:spPr/>
-        <p:txBody>
-          <a:bodyPr/>
-          <a:lstStyle/>
-          <a:p>
-            <a:r>
-              <a:rPr lang="en-US" dirty="0"/>
-              <a:t>Resources</a:t>
-            </a:r>
-          </a:p>
-        </p:txBody>
-      </p:sp>
-      <p:sp>
-        <p:nvSpPr>
-          <p:cNvPr id="3" name="Content Placeholder 2">
-            <a:extLst>
-              <a:ext uri="{FF2B5EF4-FFF2-40B4-BE49-F238E27FC236}">
-                <a16:creationId xmlns:a16="http://schemas.microsoft.com/office/drawing/2014/main" id="{2020F9DB-C4BE-4EAB-ABD8-60DEEEAC543C}"/>
-              </a:ext>
-            </a:extLst>
-          </p:cNvPr>
-          <p:cNvSpPr>
-            <a:spLocks noGrp="1"/>
-          </p:cNvSpPr>
-          <p:nvPr>
-            <p:ph idx="1"/>
-          </p:nvPr>
-        </p:nvSpPr>
-        <p:spPr/>
-        <p:txBody>
-          <a:bodyPr/>
-          <a:lstStyle/>
-          <a:p>
-            <a:r>
-              <a:rPr lang="en-US" dirty="0"/>
-              <a:t>Coding Scheme of the collaborative acts, provided by Sunny.</a:t>
-            </a:r>
-          </a:p>
-          <a:p>
-            <a:r>
-              <a:rPr lang="en-US" dirty="0"/>
-              <a:t>Collaborative Data, in excel format.</a:t>
-            </a:r>
-          </a:p>
-          <a:p>
-            <a:r>
-              <a:rPr lang="en-US" dirty="0"/>
-              <a:t>Process Mining Textbook.</a:t>
-            </a:r>
-          </a:p>
-        </p:txBody>
-      </p:sp>
-    </p:spTree>
-    <p:extLst>
-      <p:ext uri="{BB962C8B-B14F-4D97-AF65-F5344CB8AC3E}">
-        <p14:creationId xmlns:p14="http://schemas.microsoft.com/office/powerpoint/2010/main" val="2062619207"/>
-      </p:ext>
-    </p:extLst>
-  </p:cSld>
-  <p:clrMapOvr>
-    <a:masterClrMapping/>
-  </p:clrMapOvr>
-</p:sld>
-</file>
-
-<file path=ppt/slides/slide4.xml><?xml version="1.0" encoding="utf-8"?>
-<p:sld xmlns:a="http://schemas.openxmlformats.org/drawingml/2006/main" xmlns:r="http://schemas.openxmlformats.org/officeDocument/2006/relationships" xmlns:p="http://schemas.openxmlformats.org/presentationml/2006/main">
-  <p:cSld>
-    <p:spTree>
-      <p:nvGrpSpPr>
-        <p:cNvPr id="1" name=""/>
-        <p:cNvGrpSpPr/>
-        <p:nvPr/>
-      </p:nvGrpSpPr>
-      <p:grpSpPr>
-        <a:xfrm>
-          <a:off x="0" y="0"/>
-          <a:ext cx="0" cy="0"/>
-          <a:chOff x="0" y="0"/>
-          <a:chExt cx="0" cy="0"/>
-        </a:xfrm>
-      </p:grpSpPr>
-      <p:sp>
-        <p:nvSpPr>
-          <p:cNvPr id="2" name="Title 1">
-            <a:extLst>
-              <a:ext uri="{FF2B5EF4-FFF2-40B4-BE49-F238E27FC236}">
-                <a16:creationId xmlns:a16="http://schemas.microsoft.com/office/drawing/2014/main" id="{C69318A1-5B33-4A8E-8877-674D415AB496}"/>
-              </a:ext>
-            </a:extLst>
-          </p:cNvPr>
-          <p:cNvSpPr>
-            <a:spLocks noGrp="1"/>
-          </p:cNvSpPr>
-          <p:nvPr>
-            <p:ph type="title"/>
-          </p:nvPr>
-        </p:nvSpPr>
-        <p:spPr/>
-        <p:txBody>
-          <a:bodyPr/>
-          <a:lstStyle/>
-          <a:p>
-            <a:r>
-              <a:rPr lang="en-US" dirty="0"/>
-              <a:t>Flowchart – Semester Goals</a:t>
-            </a:r>
-          </a:p>
-        </p:txBody>
-      </p:sp>
-      <p:pic>
-        <p:nvPicPr>
-          <p:cNvPr id="5" name="Content Placeholder 4">
-            <a:extLst>
-              <a:ext uri="{FF2B5EF4-FFF2-40B4-BE49-F238E27FC236}">
-                <a16:creationId xmlns:a16="http://schemas.microsoft.com/office/drawing/2014/main" id="{4126386D-43F4-483B-970B-5A32EF2678AC}"/>
-              </a:ext>
-            </a:extLst>
-          </p:cNvPr>
-          <p:cNvPicPr>
-            <a:picLocks noGrp="1" noChangeAspect="1"/>
-          </p:cNvPicPr>
-          <p:nvPr>
-            <p:ph idx="1"/>
-          </p:nvPr>
-        </p:nvPicPr>
-        <p:blipFill>
-          <a:blip r:embed="rId2">
-            <a:extLst>
-              <a:ext uri="{28A0092B-C50C-407E-A947-70E740481C1C}">
-                <a14:useLocalDpi xmlns:a14="http://schemas.microsoft.com/office/drawing/2010/main" val="0"/>
-              </a:ext>
-            </a:extLst>
-          </a:blip>
-          <a:stretch>
-            <a:fillRect/>
-          </a:stretch>
-        </p:blipFill>
-        <p:spPr>
-          <a:xfrm>
-            <a:off x="2446171" y="1432491"/>
-            <a:ext cx="7002629" cy="5251972"/>
-          </a:xfrm>
-        </p:spPr>
-      </p:pic>
-    </p:spTree>
-    <p:extLst>
-      <p:ext uri="{BB962C8B-B14F-4D97-AF65-F5344CB8AC3E}">
-        <p14:creationId xmlns:p14="http://schemas.microsoft.com/office/powerpoint/2010/main" val="2438783535"/>
-      </p:ext>
-    </p:extLst>
-  </p:cSld>
-  <p:clrMapOvr>
-    <a:masterClrMapping/>
-  </p:clrMapOvr>
-</p:sld>
-</file>
-
-<file path=ppt/slides/slide5.xml><?xml version="1.0" encoding="utf-8"?>
-<p:sld xmlns:a="http://schemas.openxmlformats.org/drawingml/2006/main" xmlns:r="http://schemas.openxmlformats.org/officeDocument/2006/relationships" xmlns:p="http://schemas.openxmlformats.org/presentationml/2006/main">
-  <p:cSld>
-    <p:spTree>
-      <p:nvGrpSpPr>
-        <p:cNvPr id="1" name=""/>
-        <p:cNvGrpSpPr/>
-        <p:nvPr/>
-      </p:nvGrpSpPr>
-      <p:grpSpPr>
-        <a:xfrm>
-          <a:off x="0" y="0"/>
-          <a:ext cx="0" cy="0"/>
-          <a:chOff x="0" y="0"/>
-          <a:chExt cx="0" cy="0"/>
-        </a:xfrm>
-      </p:grpSpPr>
-      <p:sp>
-        <p:nvSpPr>
-          <p:cNvPr id="2" name="Title 1">
-            <a:extLst>
-              <a:ext uri="{FF2B5EF4-FFF2-40B4-BE49-F238E27FC236}">
-                <a16:creationId xmlns:a16="http://schemas.microsoft.com/office/drawing/2014/main" id="{C92D0183-7322-4359-ADEB-35265D89E45C}"/>
-              </a:ext>
-            </a:extLst>
-          </p:cNvPr>
-          <p:cNvSpPr>
-            <a:spLocks noGrp="1"/>
-          </p:cNvSpPr>
-          <p:nvPr>
-            <p:ph type="title"/>
-          </p:nvPr>
-        </p:nvSpPr>
-        <p:spPr/>
-        <p:txBody>
-          <a:bodyPr/>
-          <a:lstStyle/>
-          <a:p>
-            <a:r>
-              <a:rPr lang="en-US" dirty="0"/>
-              <a:t>Collaborative Speech Act</a:t>
-            </a:r>
-          </a:p>
-        </p:txBody>
-      </p:sp>
-      <p:sp>
-        <p:nvSpPr>
-          <p:cNvPr id="3" name="Content Placeholder 2">
-            <a:extLst>
-              <a:ext uri="{FF2B5EF4-FFF2-40B4-BE49-F238E27FC236}">
-                <a16:creationId xmlns:a16="http://schemas.microsoft.com/office/drawing/2014/main" id="{B2FC5CC5-A719-4DBD-86C7-126D9EDC378F}"/>
-              </a:ext>
-            </a:extLst>
-          </p:cNvPr>
-          <p:cNvSpPr>
-            <a:spLocks noGrp="1"/>
-          </p:cNvSpPr>
-          <p:nvPr>
-            <p:ph idx="1"/>
-          </p:nvPr>
-        </p:nvSpPr>
-        <p:spPr/>
-        <p:txBody>
-          <a:bodyPr/>
-          <a:lstStyle/>
-          <a:p>
-            <a:r>
-              <a:rPr lang="en-US" dirty="0"/>
-              <a:t>Speech utterances involved in the process of collaboration between two people.</a:t>
-            </a:r>
-          </a:p>
-          <a:p>
-            <a:r>
-              <a:rPr lang="en-US" dirty="0"/>
-              <a:t>Many categories: Relationship Management, Interaction Management, Information Management, Argumentation Management, Task Management, Tool Management, Other, Outside Activity.</a:t>
-            </a:r>
-          </a:p>
-          <a:p>
-            <a:r>
-              <a:rPr lang="en-US" dirty="0"/>
-              <a:t>Many different acts within those categories: Check comprehension, Elicit Opinion, Agree, etc.</a:t>
-            </a:r>
-          </a:p>
-          <a:p>
-            <a:endParaRPr lang="en-US" dirty="0"/>
-          </a:p>
-        </p:txBody>
-      </p:sp>
-    </p:spTree>
-    <p:extLst>
-      <p:ext uri="{BB962C8B-B14F-4D97-AF65-F5344CB8AC3E}">
-        <p14:creationId xmlns:p14="http://schemas.microsoft.com/office/powerpoint/2010/main" val="1894257725"/>
-      </p:ext>
-    </p:extLst>
-  </p:cSld>
-  <p:clrMapOvr>
-    <a:masterClrMapping/>
-  </p:clrMapOvr>
-</p:sld>
-</file>
-
-<file path=ppt/slides/slide6.xml><?xml version="1.0" encoding="utf-8"?>
-<p:sld xmlns:a="http://schemas.openxmlformats.org/drawingml/2006/main" xmlns:r="http://schemas.openxmlformats.org/officeDocument/2006/relationships" xmlns:p="http://schemas.openxmlformats.org/presentationml/2006/main">
-  <p:cSld>
-    <p:spTree>
-      <p:nvGrpSpPr>
-        <p:cNvPr id="1" name=""/>
-        <p:cNvGrpSpPr/>
-        <p:nvPr/>
-      </p:nvGrpSpPr>
-      <p:grpSpPr>
-        <a:xfrm>
-          <a:off x="0" y="0"/>
-          <a:ext cx="0" cy="0"/>
-          <a:chOff x="0" y="0"/>
-          <a:chExt cx="0" cy="0"/>
-        </a:xfrm>
-      </p:grpSpPr>
-      <p:sp>
-        <p:nvSpPr>
-          <p:cNvPr id="2" name="Title 1">
-            <a:extLst>
-              <a:ext uri="{FF2B5EF4-FFF2-40B4-BE49-F238E27FC236}">
-                <a16:creationId xmlns:a16="http://schemas.microsoft.com/office/drawing/2014/main" id="{5A565922-C0F0-4D5B-82EE-F5FD671ACDF8}"/>
-              </a:ext>
-            </a:extLst>
-          </p:cNvPr>
-          <p:cNvSpPr>
-            <a:spLocks noGrp="1"/>
-          </p:cNvSpPr>
-          <p:nvPr>
-            <p:ph type="title"/>
-          </p:nvPr>
-        </p:nvSpPr>
-        <p:spPr/>
-        <p:txBody>
-          <a:bodyPr/>
-          <a:lstStyle/>
-          <a:p>
-            <a:endParaRPr lang="en-US" dirty="0"/>
-          </a:p>
-        </p:txBody>
-      </p:sp>
-      <p:sp>
-        <p:nvSpPr>
-          <p:cNvPr id="3" name="Content Placeholder 2">
-            <a:extLst>
-              <a:ext uri="{FF2B5EF4-FFF2-40B4-BE49-F238E27FC236}">
-                <a16:creationId xmlns:a16="http://schemas.microsoft.com/office/drawing/2014/main" id="{2DAC526F-3D9C-46A3-8CAB-74C93684E130}"/>
-              </a:ext>
-            </a:extLst>
-          </p:cNvPr>
-          <p:cNvSpPr>
-            <a:spLocks noGrp="1"/>
-          </p:cNvSpPr>
-          <p:nvPr>
-            <p:ph idx="1"/>
-          </p:nvPr>
-        </p:nvSpPr>
-        <p:spPr/>
-        <p:txBody>
-          <a:bodyPr/>
-          <a:lstStyle/>
-          <a:p>
-            <a:endParaRPr lang="en-US" dirty="0"/>
-          </a:p>
-        </p:txBody>
-      </p:sp>
-      <p:pic>
-        <p:nvPicPr>
-          <p:cNvPr id="6" name="Picture 5">
-            <a:extLst>
-              <a:ext uri="{FF2B5EF4-FFF2-40B4-BE49-F238E27FC236}">
-                <a16:creationId xmlns:a16="http://schemas.microsoft.com/office/drawing/2014/main" id="{C75B623B-93D0-43B3-9764-F495CC02D042}"/>
-              </a:ext>
-            </a:extLst>
-          </p:cNvPr>
-          <p:cNvPicPr>
-            <a:picLocks noChangeAspect="1"/>
-          </p:cNvPicPr>
-          <p:nvPr/>
-        </p:nvPicPr>
-        <p:blipFill>
-          <a:blip r:embed="rId2"/>
-          <a:stretch>
-            <a:fillRect/>
-          </a:stretch>
-        </p:blipFill>
-        <p:spPr>
-          <a:xfrm>
-            <a:off x="268626" y="0"/>
-            <a:ext cx="11654747" cy="6858000"/>
-          </a:xfrm>
-          <a:prstGeom prst="rect">
-            <a:avLst/>
-          </a:prstGeom>
-        </p:spPr>
-      </p:pic>
-    </p:spTree>
-    <p:extLst>
-      <p:ext uri="{BB962C8B-B14F-4D97-AF65-F5344CB8AC3E}">
-        <p14:creationId xmlns:p14="http://schemas.microsoft.com/office/powerpoint/2010/main" val="4262448210"/>
-      </p:ext>
-    </p:extLst>
-  </p:cSld>
-  <p:clrMapOvr>
-    <a:masterClrMapping/>
-  </p:clrMapOvr>
-</p:sld>
-</file>
-
-<file path=ppt/slides/slide7.xml><?xml version="1.0" encoding="utf-8"?>
-<p:sld xmlns:a="http://schemas.openxmlformats.org/drawingml/2006/main" xmlns:r="http://schemas.openxmlformats.org/officeDocument/2006/relationships" xmlns:p="http://schemas.openxmlformats.org/presentationml/2006/main">
-  <p:cSld>
-    <p:spTree>
-      <p:nvGrpSpPr>
-        <p:cNvPr id="1" name=""/>
-        <p:cNvGrpSpPr/>
-        <p:nvPr/>
-      </p:nvGrpSpPr>
-      <p:grpSpPr>
-        <a:xfrm>
-          <a:off x="0" y="0"/>
-          <a:ext cx="0" cy="0"/>
-          <a:chOff x="0" y="0"/>
-          <a:chExt cx="0" cy="0"/>
-        </a:xfrm>
-      </p:grpSpPr>
-      <p:sp>
-        <p:nvSpPr>
-          <p:cNvPr id="2" name="Title 1">
-            <a:extLst>
-              <a:ext uri="{FF2B5EF4-FFF2-40B4-BE49-F238E27FC236}">
-                <a16:creationId xmlns:a16="http://schemas.microsoft.com/office/drawing/2014/main" id="{AF1F1EC4-6BB2-4EBC-B1CD-152424598244}"/>
-              </a:ext>
-            </a:extLst>
-          </p:cNvPr>
-          <p:cNvSpPr>
-            <a:spLocks noGrp="1"/>
-          </p:cNvSpPr>
-          <p:nvPr>
-            <p:ph type="title"/>
-          </p:nvPr>
-        </p:nvSpPr>
-        <p:spPr/>
-        <p:txBody>
-          <a:bodyPr/>
-          <a:lstStyle/>
-          <a:p>
-            <a:r>
-              <a:rPr lang="en-US" dirty="0"/>
-              <a:t>Linear Temporal Logic</a:t>
-            </a:r>
-          </a:p>
-        </p:txBody>
-      </p:sp>
-      <p:sp>
-        <p:nvSpPr>
-          <p:cNvPr id="3" name="Content Placeholder 2">
-            <a:extLst>
-              <a:ext uri="{FF2B5EF4-FFF2-40B4-BE49-F238E27FC236}">
-                <a16:creationId xmlns:a16="http://schemas.microsoft.com/office/drawing/2014/main" id="{2E9D30BE-5499-407F-BB25-6D9AEC11723F}"/>
-              </a:ext>
-            </a:extLst>
-          </p:cNvPr>
-          <p:cNvSpPr>
-            <a:spLocks noGrp="1"/>
-          </p:cNvSpPr>
-          <p:nvPr>
-            <p:ph idx="1"/>
-          </p:nvPr>
-        </p:nvSpPr>
-        <p:spPr/>
-        <p:txBody>
-          <a:bodyPr/>
-          <a:lstStyle/>
-          <a:p>
-            <a:r>
-              <a:rPr lang="en-US" dirty="0"/>
-              <a:t>Similar to the CTL we examined before in class.</a:t>
-            </a:r>
-          </a:p>
-          <a:p>
-            <a:r>
-              <a:rPr lang="en-US" dirty="0"/>
-              <a:t>Addition of new logics: </a:t>
-            </a:r>
-          </a:p>
-          <a:p>
-            <a:pPr lvl="1"/>
-            <a:r>
-              <a:rPr lang="en-US" dirty="0"/>
-              <a:t>Release (R)</a:t>
-            </a:r>
-          </a:p>
-          <a:p>
-            <a:pPr lvl="1"/>
-            <a:r>
-              <a:rPr lang="en-US" dirty="0"/>
-              <a:t>Weak Until (W)</a:t>
-            </a:r>
-          </a:p>
-          <a:p>
-            <a:pPr lvl="1"/>
-            <a:r>
-              <a:rPr lang="en-US" dirty="0"/>
-              <a:t>Strong Release (M)</a:t>
-            </a:r>
-          </a:p>
-          <a:p>
-            <a:r>
-              <a:rPr lang="en-US" dirty="0"/>
-              <a:t>“Give Recall releases Check Reception” as an example</a:t>
-            </a:r>
-          </a:p>
-        </p:txBody>
-      </p:sp>
-    </p:spTree>
-    <p:extLst>
-      <p:ext uri="{BB962C8B-B14F-4D97-AF65-F5344CB8AC3E}">
-        <p14:creationId xmlns:p14="http://schemas.microsoft.com/office/powerpoint/2010/main" val="42754617"/>
-      </p:ext>
-    </p:extLst>
-  </p:cSld>
-  <p:clrMapOvr>
-    <a:masterClrMapping/>
-  </p:clrMapOvr>
-</p:sld>
-</file>
-
-<file path=ppt/slides/slide8.xml><?xml version="1.0" encoding="utf-8"?>
-<p:sld xmlns:a="http://schemas.openxmlformats.org/drawingml/2006/main" xmlns:r="http://schemas.openxmlformats.org/officeDocument/2006/relationships" xmlns:p="http://schemas.openxmlformats.org/presentationml/2006/main">
-  <p:cSld>
-    <p:spTree>
-      <p:nvGrpSpPr>
-        <p:cNvPr id="1" name=""/>
-        <p:cNvGrpSpPr/>
-        <p:nvPr/>
-      </p:nvGrpSpPr>
-      <p:grpSpPr>
-        <a:xfrm>
-          <a:off x="0" y="0"/>
-          <a:ext cx="0" cy="0"/>
-          <a:chOff x="0" y="0"/>
-          <a:chExt cx="0" cy="0"/>
-        </a:xfrm>
-      </p:grpSpPr>
-      <p:sp>
-        <p:nvSpPr>
-          <p:cNvPr id="2" name="Title 1">
-            <a:extLst>
-              <a:ext uri="{FF2B5EF4-FFF2-40B4-BE49-F238E27FC236}">
-                <a16:creationId xmlns:a16="http://schemas.microsoft.com/office/drawing/2014/main" id="{4F4F4BD9-F5E1-49D7-A209-A567D33F1358}"/>
-              </a:ext>
-            </a:extLst>
-          </p:cNvPr>
-          <p:cNvSpPr>
-            <a:spLocks noGrp="1"/>
-          </p:cNvSpPr>
-          <p:nvPr>
-            <p:ph type="title"/>
-          </p:nvPr>
-        </p:nvSpPr>
-        <p:spPr/>
-        <p:txBody>
-          <a:bodyPr/>
-          <a:lstStyle/>
-          <a:p>
-            <a:r>
-              <a:rPr lang="en-US" dirty="0"/>
-              <a:t>Process Mining</a:t>
-            </a:r>
-          </a:p>
-        </p:txBody>
-      </p:sp>
-      <p:sp>
-        <p:nvSpPr>
-          <p:cNvPr id="3" name="Content Placeholder 2">
-            <a:extLst>
-              <a:ext uri="{FF2B5EF4-FFF2-40B4-BE49-F238E27FC236}">
-                <a16:creationId xmlns:a16="http://schemas.microsoft.com/office/drawing/2014/main" id="{493380AF-5FB7-4650-ADFA-5F20F18EB1A6}"/>
-              </a:ext>
-            </a:extLst>
-          </p:cNvPr>
-          <p:cNvSpPr>
-            <a:spLocks noGrp="1"/>
-          </p:cNvSpPr>
-          <p:nvPr>
-            <p:ph idx="1"/>
-          </p:nvPr>
-        </p:nvSpPr>
-        <p:spPr/>
-        <p:txBody>
-          <a:bodyPr/>
-          <a:lstStyle/>
-          <a:p>
-            <a:r>
-              <a:rPr lang="en-US" dirty="0"/>
-              <a:t>“Process Mining aims to exploit event data […] to provide insights, identify bottlenecks, anticipate problems, […] and streamline processes.” - Wil van der Aalst</a:t>
-            </a:r>
-          </a:p>
-          <a:p>
-            <a:r>
-              <a:rPr lang="en-US" dirty="0"/>
-              <a:t>Discovery and Conformance</a:t>
-            </a:r>
-          </a:p>
-          <a:p>
-            <a:endParaRPr lang="en-US" dirty="0"/>
-          </a:p>
-        </p:txBody>
-      </p:sp>
-    </p:spTree>
-    <p:extLst>
-      <p:ext uri="{BB962C8B-B14F-4D97-AF65-F5344CB8AC3E}">
-        <p14:creationId xmlns:p14="http://schemas.microsoft.com/office/powerpoint/2010/main" val="1196386765"/>
-      </p:ext>
-    </p:extLst>
-  </p:cSld>
-  <p:clrMapOvr>
-    <a:masterClrMapping/>
-  </p:clrMapOvr>
-</p:sld>
-</file>
-
-<file path=ppt/slides/slide9.xml><?xml version="1.0" encoding="utf-8"?>
-<p:sld xmlns:a="http://schemas.openxmlformats.org/drawingml/2006/main" xmlns:r="http://schemas.openxmlformats.org/officeDocument/2006/relationships" xmlns:p="http://schemas.openxmlformats.org/presentationml/2006/main">
-  <p:cSld>
-    <p:spTree>
-      <p:nvGrpSpPr>
-        <p:cNvPr id="1" name=""/>
-        <p:cNvGrpSpPr/>
-        <p:nvPr/>
-      </p:nvGrpSpPr>
-      <p:grpSpPr>
-        <a:xfrm>
-          <a:off x="0" y="0"/>
-          <a:ext cx="0" cy="0"/>
-          <a:chOff x="0" y="0"/>
-          <a:chExt cx="0" cy="0"/>
-        </a:xfrm>
-      </p:grpSpPr>
-      <p:sp>
-        <p:nvSpPr>
-          <p:cNvPr id="2" name="Title 1">
-            <a:extLst>
-              <a:ext uri="{FF2B5EF4-FFF2-40B4-BE49-F238E27FC236}">
-                <a16:creationId xmlns:a16="http://schemas.microsoft.com/office/drawing/2014/main" id="{C2EBF3F3-CB60-486D-A93C-0CBF566B66E9}"/>
-              </a:ext>
-            </a:extLst>
-          </p:cNvPr>
-          <p:cNvSpPr>
-            <a:spLocks noGrp="1"/>
-          </p:cNvSpPr>
-          <p:nvPr>
-            <p:ph type="title"/>
-          </p:nvPr>
-        </p:nvSpPr>
-        <p:spPr/>
-        <p:txBody>
-          <a:bodyPr/>
-          <a:lstStyle/>
-          <a:p>
-            <a:r>
-              <a:rPr lang="en-US" dirty="0"/>
               <a:t>Causal Nets</a:t>
             </a:r>
           </a:p>
         </p:txBody>
       </p:sp>
-      <mc:AlternateContent xmlns:mc="http://schemas.openxmlformats.org/markup-compatibility/2006">
-        <mc:Choice xmlns:a14="http://schemas.microsoft.com/office/drawing/2010/main" Requires="a14">
+      <mc:AlternateContent xmlns:mc="http://schemas.openxmlformats.org/markup-compatibility/2006" xmlns:a14="http://schemas.microsoft.com/office/drawing/2010/main">
+        <mc:Choice Requires="a14">
           <p:sp>
             <p:nvSpPr>
               <p:cNvPr id="3" name="Content Placeholder 2">
@@ -5159,7 +4940,7 @@
             </p:txBody>
           </p:sp>
         </mc:Choice>
-        <mc:Fallback>
+        <mc:Fallback xmlns="">
           <p:sp>
             <p:nvSpPr>
               <p:cNvPr id="3" name="Content Placeholder 2">
@@ -5203,6 +4984,1229 @@
     <p:extLst>
       <p:ext uri="{BB962C8B-B14F-4D97-AF65-F5344CB8AC3E}">
         <p14:creationId xmlns:p14="http://schemas.microsoft.com/office/powerpoint/2010/main" val="2932414725"/>
+      </p:ext>
+    </p:extLst>
+  </p:cSld>
+  <p:clrMapOvr>
+    <a:masterClrMapping/>
+  </p:clrMapOvr>
+</p:sld>
+</file>
+
+<file path=ppt/slides/slide13.xml><?xml version="1.0" encoding="utf-8"?>
+<p:sld xmlns:a="http://schemas.openxmlformats.org/drawingml/2006/main" xmlns:r="http://schemas.openxmlformats.org/officeDocument/2006/relationships" xmlns:p="http://schemas.openxmlformats.org/presentationml/2006/main">
+  <p:cSld>
+    <p:spTree>
+      <p:nvGrpSpPr>
+        <p:cNvPr id="1" name=""/>
+        <p:cNvGrpSpPr/>
+        <p:nvPr/>
+      </p:nvGrpSpPr>
+      <p:grpSpPr>
+        <a:xfrm>
+          <a:off x="0" y="0"/>
+          <a:ext cx="0" cy="0"/>
+          <a:chOff x="0" y="0"/>
+          <a:chExt cx="0" cy="0"/>
+        </a:xfrm>
+      </p:grpSpPr>
+      <p:sp>
+        <p:nvSpPr>
+          <p:cNvPr id="2" name="Title 1">
+            <a:extLst>
+              <a:ext uri="{FF2B5EF4-FFF2-40B4-BE49-F238E27FC236}">
+                <a16:creationId xmlns:a16="http://schemas.microsoft.com/office/drawing/2014/main" id="{799DED63-8FC8-4FEE-8989-5AB5BDF8D1BD}"/>
+              </a:ext>
+            </a:extLst>
+          </p:cNvPr>
+          <p:cNvSpPr>
+            <a:spLocks noGrp="1"/>
+          </p:cNvSpPr>
+          <p:nvPr>
+            <p:ph type="title"/>
+          </p:nvPr>
+        </p:nvSpPr>
+        <p:spPr/>
+        <p:txBody>
+          <a:bodyPr/>
+          <a:lstStyle/>
+          <a:p>
+            <a:endParaRPr lang="en-US"/>
+          </a:p>
+        </p:txBody>
+      </p:sp>
+      <p:sp>
+        <p:nvSpPr>
+          <p:cNvPr id="3" name="Content Placeholder 2">
+            <a:extLst>
+              <a:ext uri="{FF2B5EF4-FFF2-40B4-BE49-F238E27FC236}">
+                <a16:creationId xmlns:a16="http://schemas.microsoft.com/office/drawing/2014/main" id="{6CA39058-900E-4DCE-B0FC-B31B4E38F43B}"/>
+              </a:ext>
+            </a:extLst>
+          </p:cNvPr>
+          <p:cNvSpPr>
+            <a:spLocks noGrp="1"/>
+          </p:cNvSpPr>
+          <p:nvPr>
+            <p:ph idx="1"/>
+          </p:nvPr>
+        </p:nvSpPr>
+        <p:spPr/>
+        <p:txBody>
+          <a:bodyPr/>
+          <a:lstStyle/>
+          <a:p>
+            <a:r>
+              <a:rPr lang="en-US" dirty="0"/>
+              <a:t>//I will add a snippet of a causal net here</a:t>
+            </a:r>
+          </a:p>
+        </p:txBody>
+      </p:sp>
+    </p:spTree>
+    <p:extLst>
+      <p:ext uri="{BB962C8B-B14F-4D97-AF65-F5344CB8AC3E}">
+        <p14:creationId xmlns:p14="http://schemas.microsoft.com/office/powerpoint/2010/main" val="3800944998"/>
+      </p:ext>
+    </p:extLst>
+  </p:cSld>
+  <p:clrMapOvr>
+    <a:masterClrMapping/>
+  </p:clrMapOvr>
+</p:sld>
+</file>
+
+<file path=ppt/slides/slide14.xml><?xml version="1.0" encoding="utf-8"?>
+<p:sld xmlns:a="http://schemas.openxmlformats.org/drawingml/2006/main" xmlns:r="http://schemas.openxmlformats.org/officeDocument/2006/relationships" xmlns:p="http://schemas.openxmlformats.org/presentationml/2006/main">
+  <p:cSld>
+    <p:spTree>
+      <p:nvGrpSpPr>
+        <p:cNvPr id="1" name=""/>
+        <p:cNvGrpSpPr/>
+        <p:nvPr/>
+      </p:nvGrpSpPr>
+      <p:grpSpPr>
+        <a:xfrm>
+          <a:off x="0" y="0"/>
+          <a:ext cx="0" cy="0"/>
+          <a:chOff x="0" y="0"/>
+          <a:chExt cx="0" cy="0"/>
+        </a:xfrm>
+      </p:grpSpPr>
+      <p:sp>
+        <p:nvSpPr>
+          <p:cNvPr id="2" name="Title 1">
+            <a:extLst>
+              <a:ext uri="{FF2B5EF4-FFF2-40B4-BE49-F238E27FC236}">
+                <a16:creationId xmlns:a16="http://schemas.microsoft.com/office/drawing/2014/main" id="{55745ED8-5708-4AFF-8CEB-67B68082A5E1}"/>
+              </a:ext>
+            </a:extLst>
+          </p:cNvPr>
+          <p:cNvSpPr>
+            <a:spLocks noGrp="1"/>
+          </p:cNvSpPr>
+          <p:nvPr>
+            <p:ph type="title"/>
+          </p:nvPr>
+        </p:nvSpPr>
+        <p:spPr/>
+        <p:txBody>
+          <a:bodyPr/>
+          <a:lstStyle/>
+          <a:p>
+            <a:r>
+              <a:rPr lang="en-US" dirty="0"/>
+              <a:t>Status Update</a:t>
+            </a:r>
+          </a:p>
+        </p:txBody>
+      </p:sp>
+      <p:sp>
+        <p:nvSpPr>
+          <p:cNvPr id="3" name="Content Placeholder 2">
+            <a:extLst>
+              <a:ext uri="{FF2B5EF4-FFF2-40B4-BE49-F238E27FC236}">
+                <a16:creationId xmlns:a16="http://schemas.microsoft.com/office/drawing/2014/main" id="{008D8DE5-2887-468C-9D8D-75539BFAE04C}"/>
+              </a:ext>
+            </a:extLst>
+          </p:cNvPr>
+          <p:cNvSpPr>
+            <a:spLocks noGrp="1"/>
+          </p:cNvSpPr>
+          <p:nvPr>
+            <p:ph idx="1"/>
+          </p:nvPr>
+        </p:nvSpPr>
+        <p:spPr/>
+        <p:txBody>
+          <a:bodyPr>
+            <a:normAutofit/>
+          </a:bodyPr>
+          <a:lstStyle/>
+          <a:p>
+            <a:r>
+              <a:rPr lang="en-US" dirty="0"/>
+              <a:t>Overall big-picture of goals and concepts.</a:t>
+            </a:r>
+          </a:p>
+          <a:p>
+            <a:pPr lvl="1"/>
+            <a:r>
+              <a:rPr lang="en-US" dirty="0"/>
+              <a:t>Solidify a method of reasoning about a session of collaborative acts.</a:t>
+            </a:r>
+          </a:p>
+          <a:p>
+            <a:pPr lvl="1"/>
+            <a:r>
+              <a:rPr lang="en-US" dirty="0"/>
+              <a:t>Determining which modeling logic is appropriate to represent this type of domain </a:t>
+            </a:r>
+          </a:p>
+          <a:p>
+            <a:r>
+              <a:rPr lang="en-US" dirty="0"/>
+              <a:t>Background information regarding the field.</a:t>
+            </a:r>
+          </a:p>
+          <a:p>
+            <a:pPr lvl="1"/>
+            <a:r>
+              <a:rPr lang="en-US" dirty="0"/>
+              <a:t>LTL, Collaborative Speech Acts, Process Mining and Causal Nets</a:t>
+            </a:r>
+          </a:p>
+          <a:p>
+            <a:r>
+              <a:rPr lang="en-US" dirty="0"/>
+              <a:t>Figuring out the best model for our project.</a:t>
+            </a:r>
+          </a:p>
+          <a:p>
+            <a:pPr lvl="1"/>
+            <a:r>
+              <a:rPr lang="en-US" dirty="0"/>
+              <a:t>The model will be created mainly using Linear Temporal Logic (LTL)</a:t>
+            </a:r>
+          </a:p>
+          <a:p>
+            <a:endParaRPr lang="en-US" dirty="0"/>
+          </a:p>
+        </p:txBody>
+      </p:sp>
+    </p:spTree>
+    <p:extLst>
+      <p:ext uri="{BB962C8B-B14F-4D97-AF65-F5344CB8AC3E}">
+        <p14:creationId xmlns:p14="http://schemas.microsoft.com/office/powerpoint/2010/main" val="1578042212"/>
+      </p:ext>
+    </p:extLst>
+  </p:cSld>
+  <p:clrMapOvr>
+    <a:masterClrMapping/>
+  </p:clrMapOvr>
+</p:sld>
+</file>
+
+<file path=ppt/slides/slide15.xml><?xml version="1.0" encoding="utf-8"?>
+<p:sld xmlns:a="http://schemas.openxmlformats.org/drawingml/2006/main" xmlns:r="http://schemas.openxmlformats.org/officeDocument/2006/relationships" xmlns:p="http://schemas.openxmlformats.org/presentationml/2006/main">
+  <p:cSld>
+    <p:spTree>
+      <p:nvGrpSpPr>
+        <p:cNvPr id="1" name=""/>
+        <p:cNvGrpSpPr/>
+        <p:nvPr/>
+      </p:nvGrpSpPr>
+      <p:grpSpPr>
+        <a:xfrm>
+          <a:off x="0" y="0"/>
+          <a:ext cx="0" cy="0"/>
+          <a:chOff x="0" y="0"/>
+          <a:chExt cx="0" cy="0"/>
+        </a:xfrm>
+      </p:grpSpPr>
+      <p:sp>
+        <p:nvSpPr>
+          <p:cNvPr id="2" name="Title 1">
+            <a:extLst>
+              <a:ext uri="{FF2B5EF4-FFF2-40B4-BE49-F238E27FC236}">
+                <a16:creationId xmlns:a16="http://schemas.microsoft.com/office/drawing/2014/main" id="{598A6767-6027-492B-856D-57CCD2C27B7E}"/>
+              </a:ext>
+            </a:extLst>
+          </p:cNvPr>
+          <p:cNvSpPr>
+            <a:spLocks noGrp="1"/>
+          </p:cNvSpPr>
+          <p:nvPr>
+            <p:ph type="title"/>
+          </p:nvPr>
+        </p:nvSpPr>
+        <p:spPr/>
+        <p:txBody>
+          <a:bodyPr/>
+          <a:lstStyle/>
+          <a:p>
+            <a:r>
+              <a:rPr lang="en-US" dirty="0"/>
+              <a:t>Goals for the next session</a:t>
+            </a:r>
+          </a:p>
+        </p:txBody>
+      </p:sp>
+      <p:sp>
+        <p:nvSpPr>
+          <p:cNvPr id="3" name="Content Placeholder 2">
+            <a:extLst>
+              <a:ext uri="{FF2B5EF4-FFF2-40B4-BE49-F238E27FC236}">
+                <a16:creationId xmlns:a16="http://schemas.microsoft.com/office/drawing/2014/main" id="{9B87E0EA-DB33-4C5E-9DB6-F310D1861872}"/>
+              </a:ext>
+            </a:extLst>
+          </p:cNvPr>
+          <p:cNvSpPr>
+            <a:spLocks noGrp="1"/>
+          </p:cNvSpPr>
+          <p:nvPr>
+            <p:ph idx="1"/>
+          </p:nvPr>
+        </p:nvSpPr>
+        <p:spPr/>
+        <p:txBody>
+          <a:bodyPr/>
+          <a:lstStyle/>
+          <a:p>
+            <a:r>
+              <a:rPr lang="en-US" dirty="0"/>
+              <a:t>Find an appropriate representation of the model from the data.</a:t>
+            </a:r>
+          </a:p>
+        </p:txBody>
+      </p:sp>
+    </p:spTree>
+    <p:extLst>
+      <p:ext uri="{BB962C8B-B14F-4D97-AF65-F5344CB8AC3E}">
+        <p14:creationId xmlns:p14="http://schemas.microsoft.com/office/powerpoint/2010/main" val="4174229151"/>
+      </p:ext>
+    </p:extLst>
+  </p:cSld>
+  <p:clrMapOvr>
+    <a:masterClrMapping/>
+  </p:clrMapOvr>
+</p:sld>
+</file>
+
+<file path=ppt/slides/slide2.xml><?xml version="1.0" encoding="utf-8"?>
+<p:sld xmlns:a="http://schemas.openxmlformats.org/drawingml/2006/main" xmlns:r="http://schemas.openxmlformats.org/officeDocument/2006/relationships" xmlns:p="http://schemas.openxmlformats.org/presentationml/2006/main" show="0">
+  <p:cSld>
+    <p:spTree>
+      <p:nvGrpSpPr>
+        <p:cNvPr id="1" name=""/>
+        <p:cNvGrpSpPr/>
+        <p:nvPr/>
+      </p:nvGrpSpPr>
+      <p:grpSpPr>
+        <a:xfrm>
+          <a:off x="0" y="0"/>
+          <a:ext cx="0" cy="0"/>
+          <a:chOff x="0" y="0"/>
+          <a:chExt cx="0" cy="0"/>
+        </a:xfrm>
+      </p:grpSpPr>
+      <p:sp>
+        <p:nvSpPr>
+          <p:cNvPr id="2" name="Title 1">
+            <a:extLst>
+              <a:ext uri="{FF2B5EF4-FFF2-40B4-BE49-F238E27FC236}">
+                <a16:creationId xmlns:a16="http://schemas.microsoft.com/office/drawing/2014/main" id="{23C0E910-6DE9-4806-A3C2-D8E91A7422D5}"/>
+              </a:ext>
+            </a:extLst>
+          </p:cNvPr>
+          <p:cNvSpPr>
+            <a:spLocks noGrp="1"/>
+          </p:cNvSpPr>
+          <p:nvPr>
+            <p:ph type="title"/>
+          </p:nvPr>
+        </p:nvSpPr>
+        <p:spPr/>
+        <p:txBody>
+          <a:bodyPr/>
+          <a:lstStyle/>
+          <a:p>
+            <a:r>
+              <a:rPr lang="en-US" dirty="0"/>
+              <a:t>Presentation Flow</a:t>
+            </a:r>
+          </a:p>
+        </p:txBody>
+      </p:sp>
+      <p:sp>
+        <p:nvSpPr>
+          <p:cNvPr id="3" name="Content Placeholder 2">
+            <a:extLst>
+              <a:ext uri="{FF2B5EF4-FFF2-40B4-BE49-F238E27FC236}">
+                <a16:creationId xmlns:a16="http://schemas.microsoft.com/office/drawing/2014/main" id="{BFA174EE-2CBD-4A73-8435-19D21D66CAB3}"/>
+              </a:ext>
+            </a:extLst>
+          </p:cNvPr>
+          <p:cNvSpPr>
+            <a:spLocks noGrp="1"/>
+          </p:cNvSpPr>
+          <p:nvPr>
+            <p:ph idx="1"/>
+          </p:nvPr>
+        </p:nvSpPr>
+        <p:spPr/>
+        <p:txBody>
+          <a:bodyPr>
+            <a:normAutofit fontScale="77500" lnSpcReduction="20000"/>
+          </a:bodyPr>
+          <a:lstStyle/>
+          <a:p>
+            <a:r>
+              <a:rPr lang="en-US" dirty="0"/>
+              <a:t>Introduction</a:t>
+            </a:r>
+          </a:p>
+          <a:p>
+            <a:pPr lvl="1"/>
+            <a:r>
+              <a:rPr lang="en-US" dirty="0"/>
+              <a:t>Overarching goal (What is our goal and why are we doing this)</a:t>
+            </a:r>
+          </a:p>
+          <a:p>
+            <a:pPr lvl="1"/>
+            <a:r>
+              <a:rPr lang="en-US" dirty="0"/>
+              <a:t>How are we reaching our goal</a:t>
+            </a:r>
+          </a:p>
+          <a:p>
+            <a:pPr lvl="1"/>
+            <a:r>
+              <a:rPr lang="en-US" dirty="0"/>
+              <a:t>Resources that will help us achieve this goal</a:t>
+            </a:r>
+          </a:p>
+          <a:p>
+            <a:pPr lvl="1"/>
+            <a:r>
+              <a:rPr lang="en-US" dirty="0"/>
+              <a:t>Flowchart (amazing flowchart created by </a:t>
+            </a:r>
+            <a:r>
+              <a:rPr lang="en-US" dirty="0" err="1"/>
+              <a:t>Kense</a:t>
+            </a:r>
+            <a:r>
+              <a:rPr lang="en-US" dirty="0"/>
+              <a:t>)</a:t>
+            </a:r>
+          </a:p>
+          <a:p>
+            <a:pPr lvl="1"/>
+            <a:r>
+              <a:rPr lang="en-US" dirty="0"/>
+              <a:t>Our goal for this presentation (What we wanted to do and have done so far)</a:t>
+            </a:r>
+          </a:p>
+          <a:p>
+            <a:r>
+              <a:rPr lang="en-US" dirty="0"/>
+              <a:t>Details</a:t>
+            </a:r>
+          </a:p>
+          <a:p>
+            <a:pPr lvl="1"/>
+            <a:r>
+              <a:rPr lang="en-US" dirty="0"/>
+              <a:t>Collaborative Speech Acts</a:t>
+            </a:r>
+          </a:p>
+          <a:p>
+            <a:pPr lvl="1"/>
+            <a:r>
+              <a:rPr lang="en-US" dirty="0"/>
+              <a:t>LTL</a:t>
+            </a:r>
+          </a:p>
+          <a:p>
+            <a:pPr lvl="1"/>
+            <a:r>
+              <a:rPr lang="en-US" dirty="0"/>
+              <a:t>Process Mining</a:t>
+            </a:r>
+          </a:p>
+          <a:p>
+            <a:pPr lvl="1"/>
+            <a:r>
+              <a:rPr lang="en-US" dirty="0"/>
+              <a:t>Causal Nets</a:t>
+            </a:r>
+          </a:p>
+          <a:p>
+            <a:r>
+              <a:rPr lang="en-US" dirty="0"/>
+              <a:t>Conclusion</a:t>
+            </a:r>
+          </a:p>
+          <a:p>
+            <a:pPr lvl="1"/>
+            <a:r>
+              <a:rPr lang="en-US" dirty="0"/>
+              <a:t>Repeat of overarching goal and how we are going to reach it</a:t>
+            </a:r>
+          </a:p>
+          <a:p>
+            <a:pPr lvl="1"/>
+            <a:r>
+              <a:rPr lang="en-US" dirty="0"/>
+              <a:t>What we did for this session</a:t>
+            </a:r>
+          </a:p>
+          <a:p>
+            <a:pPr lvl="1"/>
+            <a:r>
+              <a:rPr lang="en-US" dirty="0"/>
+              <a:t>What our goals are for our next session</a:t>
+            </a:r>
+          </a:p>
+          <a:p>
+            <a:pPr lvl="1"/>
+            <a:endParaRPr lang="en-US" dirty="0"/>
+          </a:p>
+          <a:p>
+            <a:pPr lvl="1"/>
+            <a:endParaRPr lang="en-US" dirty="0"/>
+          </a:p>
+          <a:p>
+            <a:pPr lvl="1"/>
+            <a:endParaRPr lang="en-US" dirty="0"/>
+          </a:p>
+        </p:txBody>
+      </p:sp>
+    </p:spTree>
+    <p:extLst>
+      <p:ext uri="{BB962C8B-B14F-4D97-AF65-F5344CB8AC3E}">
+        <p14:creationId xmlns:p14="http://schemas.microsoft.com/office/powerpoint/2010/main" val="1265330949"/>
+      </p:ext>
+    </p:extLst>
+  </p:cSld>
+  <p:clrMapOvr>
+    <a:masterClrMapping/>
+  </p:clrMapOvr>
+</p:sld>
+</file>
+
+<file path=ppt/slides/slide3.xml><?xml version="1.0" encoding="utf-8"?>
+<p:sld xmlns:a="http://schemas.openxmlformats.org/drawingml/2006/main" xmlns:r="http://schemas.openxmlformats.org/officeDocument/2006/relationships" xmlns:p="http://schemas.openxmlformats.org/presentationml/2006/main">
+  <p:cSld>
+    <p:spTree>
+      <p:nvGrpSpPr>
+        <p:cNvPr id="1" name=""/>
+        <p:cNvGrpSpPr/>
+        <p:nvPr/>
+      </p:nvGrpSpPr>
+      <p:grpSpPr>
+        <a:xfrm>
+          <a:off x="0" y="0"/>
+          <a:ext cx="0" cy="0"/>
+          <a:chOff x="0" y="0"/>
+          <a:chExt cx="0" cy="0"/>
+        </a:xfrm>
+      </p:grpSpPr>
+      <p:sp>
+        <p:nvSpPr>
+          <p:cNvPr id="2" name="Title 1">
+            <a:extLst>
+              <a:ext uri="{FF2B5EF4-FFF2-40B4-BE49-F238E27FC236}">
+                <a16:creationId xmlns:a16="http://schemas.microsoft.com/office/drawing/2014/main" id="{CFD86C69-3603-4A30-9089-B8E803A513B5}"/>
+              </a:ext>
+            </a:extLst>
+          </p:cNvPr>
+          <p:cNvSpPr>
+            <a:spLocks noGrp="1"/>
+          </p:cNvSpPr>
+          <p:nvPr>
+            <p:ph type="title"/>
+          </p:nvPr>
+        </p:nvSpPr>
+        <p:spPr/>
+        <p:txBody>
+          <a:bodyPr/>
+          <a:lstStyle/>
+          <a:p>
+            <a:r>
+              <a:rPr lang="en-US" dirty="0"/>
+              <a:t>Overarching Goal</a:t>
+            </a:r>
+          </a:p>
+        </p:txBody>
+      </p:sp>
+      <p:sp>
+        <p:nvSpPr>
+          <p:cNvPr id="3" name="Content Placeholder 2">
+            <a:extLst>
+              <a:ext uri="{FF2B5EF4-FFF2-40B4-BE49-F238E27FC236}">
+                <a16:creationId xmlns:a16="http://schemas.microsoft.com/office/drawing/2014/main" id="{DB5A703D-E044-47D8-997B-C191A5271BA4}"/>
+              </a:ext>
+            </a:extLst>
+          </p:cNvPr>
+          <p:cNvSpPr>
+            <a:spLocks noGrp="1"/>
+          </p:cNvSpPr>
+          <p:nvPr>
+            <p:ph idx="1"/>
+          </p:nvPr>
+        </p:nvSpPr>
+        <p:spPr/>
+        <p:txBody>
+          <a:bodyPr/>
+          <a:lstStyle/>
+          <a:p>
+            <a:r>
+              <a:rPr lang="en-US" dirty="0"/>
+              <a:t>Goal: To make conversation go smoothly from the beginning to the end of the conversation.</a:t>
+            </a:r>
+          </a:p>
+          <a:p>
+            <a:endParaRPr lang="en-US" dirty="0"/>
+          </a:p>
+          <a:p>
+            <a:endParaRPr lang="en-US" dirty="0"/>
+          </a:p>
+          <a:p>
+            <a:r>
+              <a:rPr lang="en-US" dirty="0"/>
+              <a:t>Context: Modelling a collaborative conversation between two people working on a common goal.</a:t>
+            </a:r>
+          </a:p>
+          <a:p>
+            <a:endParaRPr lang="en-US" dirty="0"/>
+          </a:p>
+        </p:txBody>
+      </p:sp>
+    </p:spTree>
+    <p:extLst>
+      <p:ext uri="{BB962C8B-B14F-4D97-AF65-F5344CB8AC3E}">
+        <p14:creationId xmlns:p14="http://schemas.microsoft.com/office/powerpoint/2010/main" val="1995833520"/>
+      </p:ext>
+    </p:extLst>
+  </p:cSld>
+  <p:clrMapOvr>
+    <a:masterClrMapping/>
+  </p:clrMapOvr>
+</p:sld>
+</file>
+
+<file path=ppt/slides/slide4.xml><?xml version="1.0" encoding="utf-8"?>
+<p:sld xmlns:a="http://schemas.openxmlformats.org/drawingml/2006/main" xmlns:r="http://schemas.openxmlformats.org/officeDocument/2006/relationships" xmlns:p="http://schemas.openxmlformats.org/presentationml/2006/main">
+  <p:cSld>
+    <p:spTree>
+      <p:nvGrpSpPr>
+        <p:cNvPr id="1" name=""/>
+        <p:cNvGrpSpPr/>
+        <p:nvPr/>
+      </p:nvGrpSpPr>
+      <p:grpSpPr>
+        <a:xfrm>
+          <a:off x="0" y="0"/>
+          <a:ext cx="0" cy="0"/>
+          <a:chOff x="0" y="0"/>
+          <a:chExt cx="0" cy="0"/>
+        </a:xfrm>
+      </p:grpSpPr>
+      <p:sp>
+        <p:nvSpPr>
+          <p:cNvPr id="2" name="Title 1">
+            <a:extLst>
+              <a:ext uri="{FF2B5EF4-FFF2-40B4-BE49-F238E27FC236}">
+                <a16:creationId xmlns:a16="http://schemas.microsoft.com/office/drawing/2014/main" id="{F93BA8B3-2CEC-4437-BD69-CDE387E4BA9D}"/>
+              </a:ext>
+            </a:extLst>
+          </p:cNvPr>
+          <p:cNvSpPr>
+            <a:spLocks noGrp="1"/>
+          </p:cNvSpPr>
+          <p:nvPr>
+            <p:ph type="title"/>
+          </p:nvPr>
+        </p:nvSpPr>
+        <p:spPr/>
+        <p:txBody>
+          <a:bodyPr/>
+          <a:lstStyle/>
+          <a:p>
+            <a:r>
+              <a:rPr lang="en-US" dirty="0"/>
+              <a:t>Resources</a:t>
+            </a:r>
+          </a:p>
+        </p:txBody>
+      </p:sp>
+      <p:sp>
+        <p:nvSpPr>
+          <p:cNvPr id="3" name="Content Placeholder 2">
+            <a:extLst>
+              <a:ext uri="{FF2B5EF4-FFF2-40B4-BE49-F238E27FC236}">
+                <a16:creationId xmlns:a16="http://schemas.microsoft.com/office/drawing/2014/main" id="{48161A0A-B1D9-45C5-9BF9-0870B033FCB4}"/>
+              </a:ext>
+            </a:extLst>
+          </p:cNvPr>
+          <p:cNvSpPr>
+            <a:spLocks noGrp="1"/>
+          </p:cNvSpPr>
+          <p:nvPr>
+            <p:ph idx="1"/>
+          </p:nvPr>
+        </p:nvSpPr>
+        <p:spPr/>
+        <p:txBody>
+          <a:bodyPr/>
+          <a:lstStyle/>
+          <a:p>
+            <a:r>
+              <a:rPr lang="en-US" dirty="0"/>
+              <a:t>Coding Scheme of the collaborative acts, provided by Sunny.</a:t>
+            </a:r>
+          </a:p>
+          <a:p>
+            <a:r>
+              <a:rPr lang="en-US" dirty="0"/>
+              <a:t>Collaborative Data, in excel format.</a:t>
+            </a:r>
+          </a:p>
+          <a:p>
+            <a:r>
+              <a:rPr lang="en-US" dirty="0"/>
+              <a:t>Process Mining Textbook.</a:t>
+            </a:r>
+          </a:p>
+          <a:p>
+            <a:endParaRPr lang="en-US" dirty="0"/>
+          </a:p>
+        </p:txBody>
+      </p:sp>
+    </p:spTree>
+    <p:extLst>
+      <p:ext uri="{BB962C8B-B14F-4D97-AF65-F5344CB8AC3E}">
+        <p14:creationId xmlns:p14="http://schemas.microsoft.com/office/powerpoint/2010/main" val="2933261819"/>
+      </p:ext>
+    </p:extLst>
+  </p:cSld>
+  <p:clrMapOvr>
+    <a:masterClrMapping/>
+  </p:clrMapOvr>
+</p:sld>
+</file>
+
+<file path=ppt/slides/slide5.xml><?xml version="1.0" encoding="utf-8"?>
+<p:sld xmlns:a="http://schemas.openxmlformats.org/drawingml/2006/main" xmlns:r="http://schemas.openxmlformats.org/officeDocument/2006/relationships" xmlns:p="http://schemas.openxmlformats.org/presentationml/2006/main">
+  <p:cSld>
+    <p:spTree>
+      <p:nvGrpSpPr>
+        <p:cNvPr id="1" name=""/>
+        <p:cNvGrpSpPr/>
+        <p:nvPr/>
+      </p:nvGrpSpPr>
+      <p:grpSpPr>
+        <a:xfrm>
+          <a:off x="0" y="0"/>
+          <a:ext cx="0" cy="0"/>
+          <a:chOff x="0" y="0"/>
+          <a:chExt cx="0" cy="0"/>
+        </a:xfrm>
+      </p:grpSpPr>
+      <p:sp>
+        <p:nvSpPr>
+          <p:cNvPr id="2" name="Title 1">
+            <a:extLst>
+              <a:ext uri="{FF2B5EF4-FFF2-40B4-BE49-F238E27FC236}">
+                <a16:creationId xmlns:a16="http://schemas.microsoft.com/office/drawing/2014/main" id="{1DDFEC10-7953-4F44-90B9-5807E9B0B49C}"/>
+              </a:ext>
+            </a:extLst>
+          </p:cNvPr>
+          <p:cNvSpPr>
+            <a:spLocks noGrp="1"/>
+          </p:cNvSpPr>
+          <p:nvPr>
+            <p:ph type="title"/>
+          </p:nvPr>
+        </p:nvSpPr>
+        <p:spPr/>
+        <p:txBody>
+          <a:bodyPr/>
+          <a:lstStyle/>
+          <a:p>
+            <a:r>
+              <a:rPr lang="en-US" dirty="0"/>
+              <a:t>Schedule</a:t>
+            </a:r>
+          </a:p>
+        </p:txBody>
+      </p:sp>
+      <p:sp>
+        <p:nvSpPr>
+          <p:cNvPr id="3" name="Content Placeholder 2">
+            <a:extLst>
+              <a:ext uri="{FF2B5EF4-FFF2-40B4-BE49-F238E27FC236}">
+                <a16:creationId xmlns:a16="http://schemas.microsoft.com/office/drawing/2014/main" id="{3EB097D3-DBA8-47B9-AAB6-4E4200D40B7B}"/>
+              </a:ext>
+            </a:extLst>
+          </p:cNvPr>
+          <p:cNvSpPr>
+            <a:spLocks noGrp="1"/>
+          </p:cNvSpPr>
+          <p:nvPr>
+            <p:ph idx="1"/>
+          </p:nvPr>
+        </p:nvSpPr>
+        <p:spPr/>
+        <p:txBody>
+          <a:bodyPr/>
+          <a:lstStyle/>
+          <a:p>
+            <a:r>
+              <a:rPr lang="en-US" dirty="0"/>
+              <a:t>First half of the semester:</a:t>
+            </a:r>
+          </a:p>
+          <a:p>
+            <a:pPr lvl="1"/>
+            <a:r>
+              <a:rPr lang="en-US" dirty="0"/>
+              <a:t>Representing the data as a model.</a:t>
+            </a:r>
+          </a:p>
+          <a:p>
+            <a:endParaRPr lang="en-US" dirty="0"/>
+          </a:p>
+          <a:p>
+            <a:endParaRPr lang="en-US" dirty="0"/>
+          </a:p>
+          <a:p>
+            <a:r>
+              <a:rPr lang="en-US" dirty="0"/>
+              <a:t>Second half of the semester:</a:t>
+            </a:r>
+          </a:p>
+          <a:p>
+            <a:pPr lvl="1"/>
+            <a:r>
+              <a:rPr lang="en-US" dirty="0"/>
+              <a:t>Checking the model and applying it to solve problems.</a:t>
+            </a:r>
+          </a:p>
+        </p:txBody>
+      </p:sp>
+    </p:spTree>
+    <p:extLst>
+      <p:ext uri="{BB962C8B-B14F-4D97-AF65-F5344CB8AC3E}">
+        <p14:creationId xmlns:p14="http://schemas.microsoft.com/office/powerpoint/2010/main" val="3041635079"/>
+      </p:ext>
+    </p:extLst>
+  </p:cSld>
+  <p:clrMapOvr>
+    <a:masterClrMapping/>
+  </p:clrMapOvr>
+</p:sld>
+</file>
+
+<file path=ppt/slides/slide6.xml><?xml version="1.0" encoding="utf-8"?>
+<p:sld xmlns:a="http://schemas.openxmlformats.org/drawingml/2006/main" xmlns:r="http://schemas.openxmlformats.org/officeDocument/2006/relationships" xmlns:p="http://schemas.openxmlformats.org/presentationml/2006/main">
+  <p:cSld>
+    <p:spTree>
+      <p:nvGrpSpPr>
+        <p:cNvPr id="1" name=""/>
+        <p:cNvGrpSpPr/>
+        <p:nvPr/>
+      </p:nvGrpSpPr>
+      <p:grpSpPr>
+        <a:xfrm>
+          <a:off x="0" y="0"/>
+          <a:ext cx="0" cy="0"/>
+          <a:chOff x="0" y="0"/>
+          <a:chExt cx="0" cy="0"/>
+        </a:xfrm>
+      </p:grpSpPr>
+      <p:sp>
+        <p:nvSpPr>
+          <p:cNvPr id="2" name="Title 1">
+            <a:extLst>
+              <a:ext uri="{FF2B5EF4-FFF2-40B4-BE49-F238E27FC236}">
+                <a16:creationId xmlns:a16="http://schemas.microsoft.com/office/drawing/2014/main" id="{5851B039-C26E-4331-A2FB-051FC5287C79}"/>
+              </a:ext>
+            </a:extLst>
+          </p:cNvPr>
+          <p:cNvSpPr>
+            <a:spLocks noGrp="1"/>
+          </p:cNvSpPr>
+          <p:nvPr>
+            <p:ph type="title"/>
+          </p:nvPr>
+        </p:nvSpPr>
+        <p:spPr/>
+        <p:txBody>
+          <a:bodyPr/>
+          <a:lstStyle/>
+          <a:p>
+            <a:r>
+              <a:rPr lang="en-US" dirty="0"/>
+              <a:t>Session Goals</a:t>
+            </a:r>
+          </a:p>
+        </p:txBody>
+      </p:sp>
+      <p:sp>
+        <p:nvSpPr>
+          <p:cNvPr id="3" name="Content Placeholder 2">
+            <a:extLst>
+              <a:ext uri="{FF2B5EF4-FFF2-40B4-BE49-F238E27FC236}">
+                <a16:creationId xmlns:a16="http://schemas.microsoft.com/office/drawing/2014/main" id="{DDD5F226-32B6-472D-8891-90E6839864C1}"/>
+              </a:ext>
+            </a:extLst>
+          </p:cNvPr>
+          <p:cNvSpPr>
+            <a:spLocks noGrp="1"/>
+          </p:cNvSpPr>
+          <p:nvPr>
+            <p:ph idx="1"/>
+          </p:nvPr>
+        </p:nvSpPr>
+        <p:spPr/>
+        <p:txBody>
+          <a:bodyPr/>
+          <a:lstStyle/>
+          <a:p>
+            <a:r>
+              <a:rPr lang="en-US" dirty="0"/>
+              <a:t>Overall big-picture of goals and concepts.</a:t>
+            </a:r>
+          </a:p>
+          <a:p>
+            <a:r>
+              <a:rPr lang="en-US" dirty="0"/>
+              <a:t>Learning background information regarding the field.</a:t>
+            </a:r>
+          </a:p>
+          <a:p>
+            <a:r>
+              <a:rPr lang="en-US" dirty="0"/>
+              <a:t>Figuring out the best model for our project.</a:t>
+            </a:r>
+          </a:p>
+          <a:p>
+            <a:endParaRPr lang="en-US" dirty="0"/>
+          </a:p>
+        </p:txBody>
+      </p:sp>
+    </p:spTree>
+    <p:extLst>
+      <p:ext uri="{BB962C8B-B14F-4D97-AF65-F5344CB8AC3E}">
+        <p14:creationId xmlns:p14="http://schemas.microsoft.com/office/powerpoint/2010/main" val="2493965146"/>
+      </p:ext>
+    </p:extLst>
+  </p:cSld>
+  <p:clrMapOvr>
+    <a:masterClrMapping/>
+  </p:clrMapOvr>
+</p:sld>
+</file>
+
+<file path=ppt/slides/slide7.xml><?xml version="1.0" encoding="utf-8"?>
+<p:sld xmlns:a="http://schemas.openxmlformats.org/drawingml/2006/main" xmlns:r="http://schemas.openxmlformats.org/officeDocument/2006/relationships" xmlns:p="http://schemas.openxmlformats.org/presentationml/2006/main">
+  <p:cSld>
+    <p:spTree>
+      <p:nvGrpSpPr>
+        <p:cNvPr id="1" name=""/>
+        <p:cNvGrpSpPr/>
+        <p:nvPr/>
+      </p:nvGrpSpPr>
+      <p:grpSpPr>
+        <a:xfrm>
+          <a:off x="0" y="0"/>
+          <a:ext cx="0" cy="0"/>
+          <a:chOff x="0" y="0"/>
+          <a:chExt cx="0" cy="0"/>
+        </a:xfrm>
+      </p:grpSpPr>
+      <p:sp>
+        <p:nvSpPr>
+          <p:cNvPr id="2" name="Title 1">
+            <a:extLst>
+              <a:ext uri="{FF2B5EF4-FFF2-40B4-BE49-F238E27FC236}">
+                <a16:creationId xmlns:a16="http://schemas.microsoft.com/office/drawing/2014/main" id="{C69318A1-5B33-4A8E-8877-674D415AB496}"/>
+              </a:ext>
+            </a:extLst>
+          </p:cNvPr>
+          <p:cNvSpPr>
+            <a:spLocks noGrp="1"/>
+          </p:cNvSpPr>
+          <p:nvPr>
+            <p:ph type="title"/>
+          </p:nvPr>
+        </p:nvSpPr>
+        <p:spPr/>
+        <p:txBody>
+          <a:bodyPr/>
+          <a:lstStyle/>
+          <a:p>
+            <a:r>
+              <a:rPr lang="en-US" dirty="0"/>
+              <a:t>Flowchart – Semester Goals</a:t>
+            </a:r>
+          </a:p>
+        </p:txBody>
+      </p:sp>
+      <p:pic>
+        <p:nvPicPr>
+          <p:cNvPr id="5" name="Content Placeholder 4">
+            <a:extLst>
+              <a:ext uri="{FF2B5EF4-FFF2-40B4-BE49-F238E27FC236}">
+                <a16:creationId xmlns:a16="http://schemas.microsoft.com/office/drawing/2014/main" id="{4126386D-43F4-483B-970B-5A32EF2678AC}"/>
+              </a:ext>
+            </a:extLst>
+          </p:cNvPr>
+          <p:cNvPicPr>
+            <a:picLocks noGrp="1" noChangeAspect="1"/>
+          </p:cNvPicPr>
+          <p:nvPr>
+            <p:ph idx="1"/>
+          </p:nvPr>
+        </p:nvPicPr>
+        <p:blipFill>
+          <a:blip r:embed="rId2">
+            <a:extLst>
+              <a:ext uri="{28A0092B-C50C-407E-A947-70E740481C1C}">
+                <a14:useLocalDpi xmlns:a14="http://schemas.microsoft.com/office/drawing/2010/main" val="0"/>
+              </a:ext>
+            </a:extLst>
+          </a:blip>
+          <a:stretch>
+            <a:fillRect/>
+          </a:stretch>
+        </p:blipFill>
+        <p:spPr>
+          <a:xfrm>
+            <a:off x="2446171" y="1432491"/>
+            <a:ext cx="7002629" cy="5251972"/>
+          </a:xfrm>
+        </p:spPr>
+      </p:pic>
+    </p:spTree>
+    <p:extLst>
+      <p:ext uri="{BB962C8B-B14F-4D97-AF65-F5344CB8AC3E}">
+        <p14:creationId xmlns:p14="http://schemas.microsoft.com/office/powerpoint/2010/main" val="2438783535"/>
+      </p:ext>
+    </p:extLst>
+  </p:cSld>
+  <p:clrMapOvr>
+    <a:masterClrMapping/>
+  </p:clrMapOvr>
+</p:sld>
+</file>
+
+<file path=ppt/slides/slide8.xml><?xml version="1.0" encoding="utf-8"?>
+<p:sld xmlns:a="http://schemas.openxmlformats.org/drawingml/2006/main" xmlns:r="http://schemas.openxmlformats.org/officeDocument/2006/relationships" xmlns:p="http://schemas.openxmlformats.org/presentationml/2006/main">
+  <p:cSld>
+    <p:spTree>
+      <p:nvGrpSpPr>
+        <p:cNvPr id="1" name=""/>
+        <p:cNvGrpSpPr/>
+        <p:nvPr/>
+      </p:nvGrpSpPr>
+      <p:grpSpPr>
+        <a:xfrm>
+          <a:off x="0" y="0"/>
+          <a:ext cx="0" cy="0"/>
+          <a:chOff x="0" y="0"/>
+          <a:chExt cx="0" cy="0"/>
+        </a:xfrm>
+      </p:grpSpPr>
+      <p:sp>
+        <p:nvSpPr>
+          <p:cNvPr id="2" name="Title 1">
+            <a:extLst>
+              <a:ext uri="{FF2B5EF4-FFF2-40B4-BE49-F238E27FC236}">
+                <a16:creationId xmlns:a16="http://schemas.microsoft.com/office/drawing/2014/main" id="{C92D0183-7322-4359-ADEB-35265D89E45C}"/>
+              </a:ext>
+            </a:extLst>
+          </p:cNvPr>
+          <p:cNvSpPr>
+            <a:spLocks noGrp="1"/>
+          </p:cNvSpPr>
+          <p:nvPr>
+            <p:ph type="title"/>
+          </p:nvPr>
+        </p:nvSpPr>
+        <p:spPr/>
+        <p:txBody>
+          <a:bodyPr/>
+          <a:lstStyle/>
+          <a:p>
+            <a:r>
+              <a:rPr lang="en-US" dirty="0"/>
+              <a:t>Collaborative Speech Act</a:t>
+            </a:r>
+          </a:p>
+        </p:txBody>
+      </p:sp>
+      <p:sp>
+        <p:nvSpPr>
+          <p:cNvPr id="3" name="Content Placeholder 2">
+            <a:extLst>
+              <a:ext uri="{FF2B5EF4-FFF2-40B4-BE49-F238E27FC236}">
+                <a16:creationId xmlns:a16="http://schemas.microsoft.com/office/drawing/2014/main" id="{B2FC5CC5-A719-4DBD-86C7-126D9EDC378F}"/>
+              </a:ext>
+            </a:extLst>
+          </p:cNvPr>
+          <p:cNvSpPr>
+            <a:spLocks noGrp="1"/>
+          </p:cNvSpPr>
+          <p:nvPr>
+            <p:ph idx="1"/>
+          </p:nvPr>
+        </p:nvSpPr>
+        <p:spPr/>
+        <p:txBody>
+          <a:bodyPr/>
+          <a:lstStyle/>
+          <a:p>
+            <a:r>
+              <a:rPr lang="en-US" dirty="0"/>
+              <a:t>Speech utterances involved in the process of collaboration between two people.</a:t>
+            </a:r>
+          </a:p>
+          <a:p>
+            <a:r>
+              <a:rPr lang="en-US" dirty="0"/>
+              <a:t>Many categories: Relationship Management, Interaction Management, Information Management, Argumentation Management, Task Management, Tool Management, Other, Outside Activity.</a:t>
+            </a:r>
+          </a:p>
+          <a:p>
+            <a:r>
+              <a:rPr lang="en-US" dirty="0"/>
+              <a:t>Many different acts within those categories: Check comprehension, Elicit Opinion, Agree, etc.</a:t>
+            </a:r>
+          </a:p>
+          <a:p>
+            <a:endParaRPr lang="en-US" dirty="0"/>
+          </a:p>
+        </p:txBody>
+      </p:sp>
+    </p:spTree>
+    <p:extLst>
+      <p:ext uri="{BB962C8B-B14F-4D97-AF65-F5344CB8AC3E}">
+        <p14:creationId xmlns:p14="http://schemas.microsoft.com/office/powerpoint/2010/main" val="1894257725"/>
+      </p:ext>
+    </p:extLst>
+  </p:cSld>
+  <p:clrMapOvr>
+    <a:masterClrMapping/>
+  </p:clrMapOvr>
+</p:sld>
+</file>
+
+<file path=ppt/slides/slide9.xml><?xml version="1.0" encoding="utf-8"?>
+<p:sld xmlns:a="http://schemas.openxmlformats.org/drawingml/2006/main" xmlns:r="http://schemas.openxmlformats.org/officeDocument/2006/relationships" xmlns:p="http://schemas.openxmlformats.org/presentationml/2006/main">
+  <p:cSld>
+    <p:spTree>
+      <p:nvGrpSpPr>
+        <p:cNvPr id="1" name=""/>
+        <p:cNvGrpSpPr/>
+        <p:nvPr/>
+      </p:nvGrpSpPr>
+      <p:grpSpPr>
+        <a:xfrm>
+          <a:off x="0" y="0"/>
+          <a:ext cx="0" cy="0"/>
+          <a:chOff x="0" y="0"/>
+          <a:chExt cx="0" cy="0"/>
+        </a:xfrm>
+      </p:grpSpPr>
+      <p:sp>
+        <p:nvSpPr>
+          <p:cNvPr id="2" name="Title 1">
+            <a:extLst>
+              <a:ext uri="{FF2B5EF4-FFF2-40B4-BE49-F238E27FC236}">
+                <a16:creationId xmlns:a16="http://schemas.microsoft.com/office/drawing/2014/main" id="{5A565922-C0F0-4D5B-82EE-F5FD671ACDF8}"/>
+              </a:ext>
+            </a:extLst>
+          </p:cNvPr>
+          <p:cNvSpPr>
+            <a:spLocks noGrp="1"/>
+          </p:cNvSpPr>
+          <p:nvPr>
+            <p:ph type="title"/>
+          </p:nvPr>
+        </p:nvSpPr>
+        <p:spPr/>
+        <p:txBody>
+          <a:bodyPr/>
+          <a:lstStyle/>
+          <a:p>
+            <a:endParaRPr lang="en-US" dirty="0"/>
+          </a:p>
+        </p:txBody>
+      </p:sp>
+      <p:sp>
+        <p:nvSpPr>
+          <p:cNvPr id="3" name="Content Placeholder 2">
+            <a:extLst>
+              <a:ext uri="{FF2B5EF4-FFF2-40B4-BE49-F238E27FC236}">
+                <a16:creationId xmlns:a16="http://schemas.microsoft.com/office/drawing/2014/main" id="{2DAC526F-3D9C-46A3-8CAB-74C93684E130}"/>
+              </a:ext>
+            </a:extLst>
+          </p:cNvPr>
+          <p:cNvSpPr>
+            <a:spLocks noGrp="1"/>
+          </p:cNvSpPr>
+          <p:nvPr>
+            <p:ph idx="1"/>
+          </p:nvPr>
+        </p:nvSpPr>
+        <p:spPr/>
+        <p:txBody>
+          <a:bodyPr/>
+          <a:lstStyle/>
+          <a:p>
+            <a:endParaRPr lang="en-US" dirty="0"/>
+          </a:p>
+        </p:txBody>
+      </p:sp>
+      <p:pic>
+        <p:nvPicPr>
+          <p:cNvPr id="6" name="Picture 5">
+            <a:extLst>
+              <a:ext uri="{FF2B5EF4-FFF2-40B4-BE49-F238E27FC236}">
+                <a16:creationId xmlns:a16="http://schemas.microsoft.com/office/drawing/2014/main" id="{C75B623B-93D0-43B3-9764-F495CC02D042}"/>
+              </a:ext>
+            </a:extLst>
+          </p:cNvPr>
+          <p:cNvPicPr>
+            <a:picLocks noChangeAspect="1"/>
+          </p:cNvPicPr>
+          <p:nvPr/>
+        </p:nvPicPr>
+        <p:blipFill>
+          <a:blip r:embed="rId3"/>
+          <a:stretch>
+            <a:fillRect/>
+          </a:stretch>
+        </p:blipFill>
+        <p:spPr>
+          <a:xfrm>
+            <a:off x="268626" y="0"/>
+            <a:ext cx="11654747" cy="6858000"/>
+          </a:xfrm>
+          <a:prstGeom prst="rect">
+            <a:avLst/>
+          </a:prstGeom>
+        </p:spPr>
+      </p:pic>
+    </p:spTree>
+    <p:extLst>
+      <p:ext uri="{BB962C8B-B14F-4D97-AF65-F5344CB8AC3E}">
+        <p14:creationId xmlns:p14="http://schemas.microsoft.com/office/powerpoint/2010/main" val="4262448210"/>
       </p:ext>
     </p:extLst>
   </p:cSld>

--- a/presentation1_CSAmodeling.pptx
+++ b/presentation1_CSAmodeling.pptx
@@ -211,7 +211,7 @@
           <a:p>
             <a:fld id="{C66B9852-DD5D-47D4-B529-0872AD29A2EA}" type="datetimeFigureOut">
               <a:rPr lang="en-US" smtClean="0"/>
-              <a:t>3/9/2020</a:t>
+              <a:t>09-Mar-20</a:t>
             </a:fld>
             <a:endParaRPr lang="en-US"/>
           </a:p>
@@ -780,7 +780,10 @@
           <a:bodyPr/>
           <a:lstStyle/>
           <a:p>
-            <a:endParaRPr lang="en-US" dirty="0"/>
+            <a:r>
+              <a:rPr lang="en-US" dirty="0"/>
+              <a:t>Notice time and duration (col E and F) as well as notice the categories and actions (col I and H respectively)</a:t>
+            </a:r>
           </a:p>
         </p:txBody>
       </p:sp>
@@ -864,32 +867,7 @@
           <a:bodyPr/>
           <a:lstStyle/>
           <a:p>
-            <a:r>
-              <a:rPr lang="en-US" dirty="0"/>
-              <a:t>Discovery: To generate a model to reflect events seen (what we will be doing with the speech act data we are given (</a:t>
-            </a:r>
-            <a:r>
-              <a:rPr lang="en-US" dirty="0" err="1"/>
-              <a:t>i.e</a:t>
-            </a:r>
-            <a:r>
-              <a:rPr lang="en-US" dirty="0"/>
-              <a:t>: blue in flowchart)</a:t>
-            </a:r>
-          </a:p>
-          <a:p>
-            <a:r>
-              <a:rPr lang="en-US" dirty="0"/>
-              <a:t>Conformance: Checking whether a model and seen events reflect one another (</a:t>
-            </a:r>
-            <a:r>
-              <a:rPr lang="en-US" dirty="0" err="1"/>
-              <a:t>i.e</a:t>
-            </a:r>
-            <a:r>
-              <a:rPr lang="en-US" dirty="0"/>
-              <a:t>: can be used to anticipate problems, or predict collaboration paths)</a:t>
-            </a:r>
+            <a:endParaRPr lang="en-US" dirty="0"/>
           </a:p>
         </p:txBody>
       </p:sp>
@@ -910,7 +888,7 @@
           <a:p>
             <a:fld id="{70CAC5E2-7E6F-4950-8CF5-371E8255B795}" type="slidenum">
               <a:rPr lang="en-US" smtClean="0"/>
-              <a:t>11</a:t>
+              <a:t>10</a:t>
             </a:fld>
             <a:endParaRPr lang="en-US"/>
           </a:p>
@@ -919,7 +897,7 @@
     </p:spTree>
     <p:extLst>
       <p:ext uri="{BB962C8B-B14F-4D97-AF65-F5344CB8AC3E}">
-        <p14:creationId xmlns:p14="http://schemas.microsoft.com/office/powerpoint/2010/main" val="1390077382"/>
+        <p14:creationId xmlns:p14="http://schemas.microsoft.com/office/powerpoint/2010/main" val="3045476114"/>
       </p:ext>
     </p:extLst>
   </p:cSld>
@@ -973,6 +951,205 @@
           <a:bodyPr/>
           <a:lstStyle/>
           <a:p>
+            <a:r>
+              <a:rPr lang="en-US" dirty="0"/>
+              <a:t>Discovery: To generate a model to reflect events seen (what we will be doing with the speech act data we are given (</a:t>
+            </a:r>
+            <a:r>
+              <a:rPr lang="en-US" dirty="0" err="1"/>
+              <a:t>i.e</a:t>
+            </a:r>
+            <a:r>
+              <a:rPr lang="en-US" dirty="0"/>
+              <a:t>: blue in flowchart)</a:t>
+            </a:r>
+          </a:p>
+          <a:p>
+            <a:r>
+              <a:rPr lang="en-US" dirty="0"/>
+              <a:t>Conformance: Checking whether a model and seen events reflect one another (</a:t>
+            </a:r>
+            <a:r>
+              <a:rPr lang="en-US" dirty="0" err="1"/>
+              <a:t>i.e</a:t>
+            </a:r>
+            <a:r>
+              <a:rPr lang="en-US" dirty="0"/>
+              <a:t>: can be used to anticipate problems, or predict collaboration paths)</a:t>
+            </a:r>
+          </a:p>
+        </p:txBody>
+      </p:sp>
+      <p:sp>
+        <p:nvSpPr>
+          <p:cNvPr id="4" name="Slide Number Placeholder 3"/>
+          <p:cNvSpPr>
+            <a:spLocks noGrp="1"/>
+          </p:cNvSpPr>
+          <p:nvPr>
+            <p:ph type="sldNum" sz="quarter" idx="5"/>
+          </p:nvPr>
+        </p:nvSpPr>
+        <p:spPr/>
+        <p:txBody>
+          <a:bodyPr/>
+          <a:lstStyle/>
+          <a:p>
+            <a:fld id="{70CAC5E2-7E6F-4950-8CF5-371E8255B795}" type="slidenum">
+              <a:rPr lang="en-US" smtClean="0"/>
+              <a:t>11</a:t>
+            </a:fld>
+            <a:endParaRPr lang="en-US"/>
+          </a:p>
+        </p:txBody>
+      </p:sp>
+    </p:spTree>
+    <p:extLst>
+      <p:ext uri="{BB962C8B-B14F-4D97-AF65-F5344CB8AC3E}">
+        <p14:creationId xmlns:p14="http://schemas.microsoft.com/office/powerpoint/2010/main" val="1390077382"/>
+      </p:ext>
+    </p:extLst>
+  </p:cSld>
+  <p:clrMapOvr>
+    <a:masterClrMapping/>
+  </p:clrMapOvr>
+</p:notes>
+</file>
+
+<file path=ppt/notesSlides/notesSlide7.xml><?xml version="1.0" encoding="utf-8"?>
+<p:notes xmlns:a="http://schemas.openxmlformats.org/drawingml/2006/main" xmlns:r="http://schemas.openxmlformats.org/officeDocument/2006/relationships" xmlns:p="http://schemas.openxmlformats.org/presentationml/2006/main">
+  <p:cSld>
+    <p:spTree>
+      <p:nvGrpSpPr>
+        <p:cNvPr id="1" name=""/>
+        <p:cNvGrpSpPr/>
+        <p:nvPr/>
+      </p:nvGrpSpPr>
+      <p:grpSpPr>
+        <a:xfrm>
+          <a:off x="0" y="0"/>
+          <a:ext cx="0" cy="0"/>
+          <a:chOff x="0" y="0"/>
+          <a:chExt cx="0" cy="0"/>
+        </a:xfrm>
+      </p:grpSpPr>
+      <p:sp>
+        <p:nvSpPr>
+          <p:cNvPr id="2" name="Slide Image Placeholder 1"/>
+          <p:cNvSpPr>
+            <a:spLocks noGrp="1" noRot="1" noChangeAspect="1"/>
+          </p:cNvSpPr>
+          <p:nvPr>
+            <p:ph type="sldImg"/>
+          </p:nvPr>
+        </p:nvSpPr>
+        <p:spPr/>
+      </p:sp>
+      <p:sp>
+        <p:nvSpPr>
+          <p:cNvPr id="3" name="Notes Placeholder 2"/>
+          <p:cNvSpPr>
+            <a:spLocks noGrp="1"/>
+          </p:cNvSpPr>
+          <p:nvPr>
+            <p:ph type="body" idx="1"/>
+          </p:nvPr>
+        </p:nvSpPr>
+        <p:spPr/>
+        <p:txBody>
+          <a:bodyPr/>
+          <a:lstStyle/>
+          <a:p>
+            <a:r>
+              <a:rPr lang="en-US" dirty="0"/>
+              <a:t>Nodes represent activities and arcs represents causal dependencies</a:t>
+            </a:r>
+          </a:p>
+          <a:p>
+            <a:endParaRPr lang="en-US" dirty="0"/>
+          </a:p>
+        </p:txBody>
+      </p:sp>
+      <p:sp>
+        <p:nvSpPr>
+          <p:cNvPr id="4" name="Slide Number Placeholder 3"/>
+          <p:cNvSpPr>
+            <a:spLocks noGrp="1"/>
+          </p:cNvSpPr>
+          <p:nvPr>
+            <p:ph type="sldNum" sz="quarter" idx="5"/>
+          </p:nvPr>
+        </p:nvSpPr>
+        <p:spPr/>
+        <p:txBody>
+          <a:bodyPr/>
+          <a:lstStyle/>
+          <a:p>
+            <a:fld id="{70CAC5E2-7E6F-4950-8CF5-371E8255B795}" type="slidenum">
+              <a:rPr lang="en-US" smtClean="0"/>
+              <a:t>12</a:t>
+            </a:fld>
+            <a:endParaRPr lang="en-US"/>
+          </a:p>
+        </p:txBody>
+      </p:sp>
+    </p:spTree>
+    <p:extLst>
+      <p:ext uri="{BB962C8B-B14F-4D97-AF65-F5344CB8AC3E}">
+        <p14:creationId xmlns:p14="http://schemas.microsoft.com/office/powerpoint/2010/main" val="629109400"/>
+      </p:ext>
+    </p:extLst>
+  </p:cSld>
+  <p:clrMapOvr>
+    <a:masterClrMapping/>
+  </p:clrMapOvr>
+</p:notes>
+</file>
+
+<file path=ppt/notesSlides/notesSlide8.xml><?xml version="1.0" encoding="utf-8"?>
+<p:notes xmlns:a="http://schemas.openxmlformats.org/drawingml/2006/main" xmlns:r="http://schemas.openxmlformats.org/officeDocument/2006/relationships" xmlns:p="http://schemas.openxmlformats.org/presentationml/2006/main">
+  <p:cSld>
+    <p:spTree>
+      <p:nvGrpSpPr>
+        <p:cNvPr id="1" name=""/>
+        <p:cNvGrpSpPr/>
+        <p:nvPr/>
+      </p:nvGrpSpPr>
+      <p:grpSpPr>
+        <a:xfrm>
+          <a:off x="0" y="0"/>
+          <a:ext cx="0" cy="0"/>
+          <a:chOff x="0" y="0"/>
+          <a:chExt cx="0" cy="0"/>
+        </a:xfrm>
+      </p:grpSpPr>
+      <p:sp>
+        <p:nvSpPr>
+          <p:cNvPr id="2" name="Slide Image Placeholder 1"/>
+          <p:cNvSpPr>
+            <a:spLocks noGrp="1" noRot="1" noChangeAspect="1"/>
+          </p:cNvSpPr>
+          <p:nvPr>
+            <p:ph type="sldImg"/>
+          </p:nvPr>
+        </p:nvSpPr>
+        <p:spPr/>
+      </p:sp>
+      <p:sp>
+        <p:nvSpPr>
+          <p:cNvPr id="3" name="Notes Placeholder 2"/>
+          <p:cNvSpPr>
+            <a:spLocks noGrp="1"/>
+          </p:cNvSpPr>
+          <p:nvPr>
+            <p:ph type="body" idx="1"/>
+          </p:nvPr>
+        </p:nvSpPr>
+        <p:spPr/>
+        <p:txBody>
+          <a:bodyPr/>
+          <a:lstStyle/>
+          <a:p>
             <a:endParaRPr lang="en-US" dirty="0"/>
           </a:p>
         </p:txBody>
@@ -1013,7 +1190,7 @@
 </p:notes>
 </file>
 
-<file path=ppt/notesSlides/notesSlide7.xml><?xml version="1.0" encoding="utf-8"?>
+<file path=ppt/notesSlides/notesSlide9.xml><?xml version="1.0" encoding="utf-8"?>
 <p:notes xmlns:a="http://schemas.openxmlformats.org/drawingml/2006/main" xmlns:r="http://schemas.openxmlformats.org/officeDocument/2006/relationships" xmlns:p="http://schemas.openxmlformats.org/presentationml/2006/main">
   <p:cSld>
     <p:spTree>
@@ -1253,7 +1430,7 @@
           <a:p>
             <a:fld id="{80A40925-20D3-4779-B19B-C89593154448}" type="datetimeFigureOut">
               <a:rPr lang="en-US" smtClean="0"/>
-              <a:t>3/9/2020</a:t>
+              <a:t>09-Mar-20</a:t>
             </a:fld>
             <a:endParaRPr lang="en-US"/>
           </a:p>
@@ -1451,7 +1628,7 @@
           <a:p>
             <a:fld id="{80A40925-20D3-4779-B19B-C89593154448}" type="datetimeFigureOut">
               <a:rPr lang="en-US" smtClean="0"/>
-              <a:t>3/9/2020</a:t>
+              <a:t>09-Mar-20</a:t>
             </a:fld>
             <a:endParaRPr lang="en-US"/>
           </a:p>
@@ -1659,7 +1836,7 @@
           <a:p>
             <a:fld id="{80A40925-20D3-4779-B19B-C89593154448}" type="datetimeFigureOut">
               <a:rPr lang="en-US" smtClean="0"/>
-              <a:t>3/9/2020</a:t>
+              <a:t>09-Mar-20</a:t>
             </a:fld>
             <a:endParaRPr lang="en-US"/>
           </a:p>
@@ -1857,7 +2034,7 @@
           <a:p>
             <a:fld id="{80A40925-20D3-4779-B19B-C89593154448}" type="datetimeFigureOut">
               <a:rPr lang="en-US" smtClean="0"/>
-              <a:t>3/9/2020</a:t>
+              <a:t>09-Mar-20</a:t>
             </a:fld>
             <a:endParaRPr lang="en-US"/>
           </a:p>
@@ -2132,7 +2309,7 @@
           <a:p>
             <a:fld id="{80A40925-20D3-4779-B19B-C89593154448}" type="datetimeFigureOut">
               <a:rPr lang="en-US" smtClean="0"/>
-              <a:t>3/9/2020</a:t>
+              <a:t>09-Mar-20</a:t>
             </a:fld>
             <a:endParaRPr lang="en-US"/>
           </a:p>
@@ -2397,7 +2574,7 @@
           <a:p>
             <a:fld id="{80A40925-20D3-4779-B19B-C89593154448}" type="datetimeFigureOut">
               <a:rPr lang="en-US" smtClean="0"/>
-              <a:t>3/9/2020</a:t>
+              <a:t>09-Mar-20</a:t>
             </a:fld>
             <a:endParaRPr lang="en-US"/>
           </a:p>
@@ -2809,7 +2986,7 @@
           <a:p>
             <a:fld id="{80A40925-20D3-4779-B19B-C89593154448}" type="datetimeFigureOut">
               <a:rPr lang="en-US" smtClean="0"/>
-              <a:t>3/9/2020</a:t>
+              <a:t>09-Mar-20</a:t>
             </a:fld>
             <a:endParaRPr lang="en-US"/>
           </a:p>
@@ -2950,7 +3127,7 @@
           <a:p>
             <a:fld id="{80A40925-20D3-4779-B19B-C89593154448}" type="datetimeFigureOut">
               <a:rPr lang="en-US" smtClean="0"/>
-              <a:t>3/9/2020</a:t>
+              <a:t>09-Mar-20</a:t>
             </a:fld>
             <a:endParaRPr lang="en-US"/>
           </a:p>
@@ -3063,7 +3240,7 @@
           <a:p>
             <a:fld id="{80A40925-20D3-4779-B19B-C89593154448}" type="datetimeFigureOut">
               <a:rPr lang="en-US" smtClean="0"/>
-              <a:t>3/9/2020</a:t>
+              <a:t>09-Mar-20</a:t>
             </a:fld>
             <a:endParaRPr lang="en-US"/>
           </a:p>
@@ -3374,7 +3551,7 @@
           <a:p>
             <a:fld id="{80A40925-20D3-4779-B19B-C89593154448}" type="datetimeFigureOut">
               <a:rPr lang="en-US" smtClean="0"/>
-              <a:t>3/9/2020</a:t>
+              <a:t>09-Mar-20</a:t>
             </a:fld>
             <a:endParaRPr lang="en-US"/>
           </a:p>
@@ -3662,7 +3839,7 @@
           <a:p>
             <a:fld id="{80A40925-20D3-4779-B19B-C89593154448}" type="datetimeFigureOut">
               <a:rPr lang="en-US" smtClean="0"/>
-              <a:t>3/9/2020</a:t>
+              <a:t>09-Mar-20</a:t>
             </a:fld>
             <a:endParaRPr lang="en-US"/>
           </a:p>
@@ -3903,7 +4080,7 @@
           <a:p>
             <a:fld id="{80A40925-20D3-4779-B19B-C89593154448}" type="datetimeFigureOut">
               <a:rPr lang="en-US" smtClean="0"/>
-              <a:t>3/9/2020</a:t>
+              <a:t>09-Mar-20</a:t>
             </a:fld>
             <a:endParaRPr lang="en-US"/>
           </a:p>
@@ -4959,7 +5136,7 @@
             </p:nvSpPr>
             <p:spPr>
               <a:blipFill>
-                <a:blip r:embed="rId2"/>
+                <a:blip r:embed="rId3"/>
                 <a:stretch>
                   <a:fillRect l="-1043" t="-2241"/>
                 </a:stretch>
@@ -5031,38 +5208,45 @@
           <a:bodyPr/>
           <a:lstStyle/>
           <a:p>
-            <a:endParaRPr lang="en-US"/>
-          </a:p>
-        </p:txBody>
-      </p:sp>
-      <p:sp>
-        <p:nvSpPr>
-          <p:cNvPr id="3" name="Content Placeholder 2">
-            <a:extLst>
-              <a:ext uri="{FF2B5EF4-FFF2-40B4-BE49-F238E27FC236}">
-                <a16:creationId xmlns:a16="http://schemas.microsoft.com/office/drawing/2014/main" id="{6CA39058-900E-4DCE-B0FC-B31B4E38F43B}"/>
-              </a:ext>
-            </a:extLst>
-          </p:cNvPr>
-          <p:cNvSpPr>
-            <a:spLocks noGrp="1"/>
-          </p:cNvSpPr>
+            <a:endParaRPr lang="en-US" dirty="0"/>
+          </a:p>
+        </p:txBody>
+      </p:sp>
+      <p:pic>
+        <p:nvPicPr>
+          <p:cNvPr id="5" name="Content Placeholder 4">
+            <a:extLst>
+              <a:ext uri="{FF2B5EF4-FFF2-40B4-BE49-F238E27FC236}">
+                <a16:creationId xmlns:a16="http://schemas.microsoft.com/office/drawing/2014/main" id="{7BD21ED6-0E45-4698-AFCD-7C7C344ECC0F}"/>
+              </a:ext>
+            </a:extLst>
+          </p:cNvPr>
+          <p:cNvPicPr>
+            <a:picLocks noGrp="1" noChangeAspect="1"/>
+          </p:cNvPicPr>
           <p:nvPr>
             <p:ph idx="1"/>
           </p:nvPr>
-        </p:nvSpPr>
-        <p:spPr/>
-        <p:txBody>
-          <a:bodyPr/>
-          <a:lstStyle/>
-          <a:p>
-            <a:r>
-              <a:rPr lang="en-US" dirty="0"/>
-              <a:t>//I will add a snippet of a causal net here</a:t>
-            </a:r>
-          </a:p>
-        </p:txBody>
-      </p:sp>
+        </p:nvPicPr>
+        <p:blipFill>
+          <a:blip r:embed="rId2">
+            <a:extLst>
+              <a:ext uri="{28A0092B-C50C-407E-A947-70E740481C1C}">
+                <a14:useLocalDpi xmlns:a14="http://schemas.microsoft.com/office/drawing/2010/main" val="0"/>
+              </a:ext>
+            </a:extLst>
+          </a:blip>
+          <a:stretch>
+            <a:fillRect/>
+          </a:stretch>
+        </p:blipFill>
+        <p:spPr>
+          <a:xfrm>
+            <a:off x="1501140" y="0"/>
+            <a:ext cx="9189720" cy="6859376"/>
+          </a:xfrm>
+        </p:spPr>
+      </p:pic>
     </p:spTree>
     <p:extLst>
       <p:ext uri="{BB962C8B-B14F-4D97-AF65-F5344CB8AC3E}">

--- a/presentation1_CSAmodeling.pptx
+++ b/presentation1_CSAmodeling.pptx
@@ -211,7 +211,7 @@
           <a:p>
             <a:fld id="{C66B9852-DD5D-47D4-B529-0872AD29A2EA}" type="datetimeFigureOut">
               <a:rPr lang="en-US" smtClean="0"/>
-              <a:t>09-Mar-20</a:t>
+              <a:t>10-Mar-20</a:t>
             </a:fld>
             <a:endParaRPr lang="en-US"/>
           </a:p>
@@ -1430,7 +1430,7 @@
           <a:p>
             <a:fld id="{80A40925-20D3-4779-B19B-C89593154448}" type="datetimeFigureOut">
               <a:rPr lang="en-US" smtClean="0"/>
-              <a:t>09-Mar-20</a:t>
+              <a:t>10-Mar-20</a:t>
             </a:fld>
             <a:endParaRPr lang="en-US"/>
           </a:p>
@@ -1628,7 +1628,7 @@
           <a:p>
             <a:fld id="{80A40925-20D3-4779-B19B-C89593154448}" type="datetimeFigureOut">
               <a:rPr lang="en-US" smtClean="0"/>
-              <a:t>09-Mar-20</a:t>
+              <a:t>10-Mar-20</a:t>
             </a:fld>
             <a:endParaRPr lang="en-US"/>
           </a:p>
@@ -1836,7 +1836,7 @@
           <a:p>
             <a:fld id="{80A40925-20D3-4779-B19B-C89593154448}" type="datetimeFigureOut">
               <a:rPr lang="en-US" smtClean="0"/>
-              <a:t>09-Mar-20</a:t>
+              <a:t>10-Mar-20</a:t>
             </a:fld>
             <a:endParaRPr lang="en-US"/>
           </a:p>
@@ -2034,7 +2034,7 @@
           <a:p>
             <a:fld id="{80A40925-20D3-4779-B19B-C89593154448}" type="datetimeFigureOut">
               <a:rPr lang="en-US" smtClean="0"/>
-              <a:t>09-Mar-20</a:t>
+              <a:t>10-Mar-20</a:t>
             </a:fld>
             <a:endParaRPr lang="en-US"/>
           </a:p>
@@ -2309,7 +2309,7 @@
           <a:p>
             <a:fld id="{80A40925-20D3-4779-B19B-C89593154448}" type="datetimeFigureOut">
               <a:rPr lang="en-US" smtClean="0"/>
-              <a:t>09-Mar-20</a:t>
+              <a:t>10-Mar-20</a:t>
             </a:fld>
             <a:endParaRPr lang="en-US"/>
           </a:p>
@@ -2574,7 +2574,7 @@
           <a:p>
             <a:fld id="{80A40925-20D3-4779-B19B-C89593154448}" type="datetimeFigureOut">
               <a:rPr lang="en-US" smtClean="0"/>
-              <a:t>09-Mar-20</a:t>
+              <a:t>10-Mar-20</a:t>
             </a:fld>
             <a:endParaRPr lang="en-US"/>
           </a:p>
@@ -2986,7 +2986,7 @@
           <a:p>
             <a:fld id="{80A40925-20D3-4779-B19B-C89593154448}" type="datetimeFigureOut">
               <a:rPr lang="en-US" smtClean="0"/>
-              <a:t>09-Mar-20</a:t>
+              <a:t>10-Mar-20</a:t>
             </a:fld>
             <a:endParaRPr lang="en-US"/>
           </a:p>
@@ -3127,7 +3127,7 @@
           <a:p>
             <a:fld id="{80A40925-20D3-4779-B19B-C89593154448}" type="datetimeFigureOut">
               <a:rPr lang="en-US" smtClean="0"/>
-              <a:t>09-Mar-20</a:t>
+              <a:t>10-Mar-20</a:t>
             </a:fld>
             <a:endParaRPr lang="en-US"/>
           </a:p>
@@ -3240,7 +3240,7 @@
           <a:p>
             <a:fld id="{80A40925-20D3-4779-B19B-C89593154448}" type="datetimeFigureOut">
               <a:rPr lang="en-US" smtClean="0"/>
-              <a:t>09-Mar-20</a:t>
+              <a:t>10-Mar-20</a:t>
             </a:fld>
             <a:endParaRPr lang="en-US"/>
           </a:p>
@@ -3551,7 +3551,7 @@
           <a:p>
             <a:fld id="{80A40925-20D3-4779-B19B-C89593154448}" type="datetimeFigureOut">
               <a:rPr lang="en-US" smtClean="0"/>
-              <a:t>09-Mar-20</a:t>
+              <a:t>10-Mar-20</a:t>
             </a:fld>
             <a:endParaRPr lang="en-US"/>
           </a:p>
@@ -3839,7 +3839,7 @@
           <a:p>
             <a:fld id="{80A40925-20D3-4779-B19B-C89593154448}" type="datetimeFigureOut">
               <a:rPr lang="en-US" smtClean="0"/>
-              <a:t>09-Mar-20</a:t>
+              <a:t>10-Mar-20</a:t>
             </a:fld>
             <a:endParaRPr lang="en-US"/>
           </a:p>
@@ -4080,7 +4080,7 @@
           <a:p>
             <a:fld id="{80A40925-20D3-4779-B19B-C89593154448}" type="datetimeFigureOut">
               <a:rPr lang="en-US" smtClean="0"/>
-              <a:t>09-Mar-20</a:t>
+              <a:t>10-Mar-20</a:t>
             </a:fld>
             <a:endParaRPr lang="en-US"/>
           </a:p>
